--- a/CS2100/CS2100 Tutorial 3.pptx
+++ b/CS2100/CS2100 Tutorial 3.pptx
@@ -5,7 +5,7 @@
     <p:sldMasterId id="2147483648" r:id="rId1"/>
   </p:sldMasterIdLst>
   <p:notesMasterIdLst>
-    <p:notesMasterId r:id="rId39"/>
+    <p:notesMasterId r:id="rId42"/>
   </p:notesMasterIdLst>
   <p:sldIdLst>
     <p:sldId id="256" r:id="rId2"/>
@@ -41,10 +41,13 @@
     <p:sldId id="334" r:id="rId32"/>
     <p:sldId id="335" r:id="rId33"/>
     <p:sldId id="336" r:id="rId34"/>
-    <p:sldId id="628" r:id="rId35"/>
-    <p:sldId id="640" r:id="rId36"/>
-    <p:sldId id="641" r:id="rId37"/>
-    <p:sldId id="288" r:id="rId38"/>
+    <p:sldId id="644" r:id="rId35"/>
+    <p:sldId id="628" r:id="rId36"/>
+    <p:sldId id="640" r:id="rId37"/>
+    <p:sldId id="641" r:id="rId38"/>
+    <p:sldId id="288" r:id="rId39"/>
+    <p:sldId id="642" r:id="rId40"/>
+    <p:sldId id="643" r:id="rId41"/>
   </p:sldIdLst>
   <p:sldSz cx="12192000" cy="6858000"/>
   <p:notesSz cx="6858000" cy="9144000"/>
@@ -233,7 +236,7 @@
           <a:p>
             <a:fld id="{88602102-26BC-4ECA-9243-6BB9B8BC366F}" type="datetimeFigureOut">
               <a:rPr lang="en-US" smtClean="0"/>
-              <a:t>9/3/2024</a:t>
+              <a:t>9/5/2024</a:t>
             </a:fld>
             <a:endParaRPr lang="en-US"/>
           </a:p>
@@ -544,7 +547,7 @@
           <a:bodyPr/>
           <a:lstStyle/>
           <a:p>
-            <a:endParaRPr lang="en-SG" dirty="0"/>
+            <a:endParaRPr lang="en-SG"/>
           </a:p>
         </p:txBody>
       </p:sp>
@@ -565,16 +568,16 @@
           <a:p>
             <a:fld id="{D17C5EEA-D671-4453-97C7-AF6A67BC87D3}" type="slidenum">
               <a:rPr lang="en-US" smtClean="0"/>
-              <a:t>4</a:t>
+              <a:t>3</a:t>
             </a:fld>
-            <a:endParaRPr lang="en-US" dirty="0"/>
+            <a:endParaRPr lang="en-US"/>
           </a:p>
         </p:txBody>
       </p:sp>
     </p:spTree>
     <p:extLst>
       <p:ext uri="{BB962C8B-B14F-4D97-AF65-F5344CB8AC3E}">
-        <p14:creationId xmlns:p14="http://schemas.microsoft.com/office/powerpoint/2010/main" val="4180779325"/>
+        <p14:creationId xmlns:p14="http://schemas.microsoft.com/office/powerpoint/2010/main" val="3666927885"/>
       </p:ext>
     </p:extLst>
   </p:cSld>
@@ -649,7 +652,7 @@
           <a:p>
             <a:fld id="{D17C5EEA-D671-4453-97C7-AF6A67BC87D3}" type="slidenum">
               <a:rPr lang="en-US" smtClean="0"/>
-              <a:t>14</a:t>
+              <a:t>12</a:t>
             </a:fld>
             <a:endParaRPr lang="en-US"/>
           </a:p>
@@ -658,7 +661,7 @@
     </p:spTree>
     <p:extLst>
       <p:ext uri="{BB962C8B-B14F-4D97-AF65-F5344CB8AC3E}">
-        <p14:creationId xmlns:p14="http://schemas.microsoft.com/office/powerpoint/2010/main" val="2535887326"/>
+        <p14:creationId xmlns:p14="http://schemas.microsoft.com/office/powerpoint/2010/main" val="2200660928"/>
       </p:ext>
     </p:extLst>
   </p:cSld>
@@ -733,7 +736,7 @@
           <a:p>
             <a:fld id="{D17C5EEA-D671-4453-97C7-AF6A67BC87D3}" type="slidenum">
               <a:rPr lang="en-US" smtClean="0"/>
-              <a:t>15</a:t>
+              <a:t>14</a:t>
             </a:fld>
             <a:endParaRPr lang="en-US"/>
           </a:p>
@@ -742,7 +745,7 @@
     </p:spTree>
     <p:extLst>
       <p:ext uri="{BB962C8B-B14F-4D97-AF65-F5344CB8AC3E}">
-        <p14:creationId xmlns:p14="http://schemas.microsoft.com/office/powerpoint/2010/main" val="3326041386"/>
+        <p14:creationId xmlns:p14="http://schemas.microsoft.com/office/powerpoint/2010/main" val="2535887326"/>
       </p:ext>
     </p:extLst>
   </p:cSld>
@@ -817,7 +820,7 @@
           <a:p>
             <a:fld id="{D17C5EEA-D671-4453-97C7-AF6A67BC87D3}" type="slidenum">
               <a:rPr lang="en-US" smtClean="0"/>
-              <a:t>16</a:t>
+              <a:t>15</a:t>
             </a:fld>
             <a:endParaRPr lang="en-US"/>
           </a:p>
@@ -826,7 +829,7 @@
     </p:spTree>
     <p:extLst>
       <p:ext uri="{BB962C8B-B14F-4D97-AF65-F5344CB8AC3E}">
-        <p14:creationId xmlns:p14="http://schemas.microsoft.com/office/powerpoint/2010/main" val="967523995"/>
+        <p14:creationId xmlns:p14="http://schemas.microsoft.com/office/powerpoint/2010/main" val="3326041386"/>
       </p:ext>
     </p:extLst>
   </p:cSld>
@@ -901,7 +904,7 @@
           <a:p>
             <a:fld id="{D17C5EEA-D671-4453-97C7-AF6A67BC87D3}" type="slidenum">
               <a:rPr lang="en-US" smtClean="0"/>
-              <a:t>17</a:t>
+              <a:t>16</a:t>
             </a:fld>
             <a:endParaRPr lang="en-US"/>
           </a:p>
@@ -910,7 +913,7 @@
     </p:spTree>
     <p:extLst>
       <p:ext uri="{BB962C8B-B14F-4D97-AF65-F5344CB8AC3E}">
-        <p14:creationId xmlns:p14="http://schemas.microsoft.com/office/powerpoint/2010/main" val="1495078070"/>
+        <p14:creationId xmlns:p14="http://schemas.microsoft.com/office/powerpoint/2010/main" val="967523995"/>
       </p:ext>
     </p:extLst>
   </p:cSld>
@@ -985,7 +988,7 @@
           <a:p>
             <a:fld id="{D17C5EEA-D671-4453-97C7-AF6A67BC87D3}" type="slidenum">
               <a:rPr lang="en-US" smtClean="0"/>
-              <a:t>18</a:t>
+              <a:t>17</a:t>
             </a:fld>
             <a:endParaRPr lang="en-US"/>
           </a:p>
@@ -994,7 +997,7 @@
     </p:spTree>
     <p:extLst>
       <p:ext uri="{BB962C8B-B14F-4D97-AF65-F5344CB8AC3E}">
-        <p14:creationId xmlns:p14="http://schemas.microsoft.com/office/powerpoint/2010/main" val="3847626928"/>
+        <p14:creationId xmlns:p14="http://schemas.microsoft.com/office/powerpoint/2010/main" val="1495078070"/>
       </p:ext>
     </p:extLst>
   </p:cSld>
@@ -1069,7 +1072,7 @@
           <a:p>
             <a:fld id="{D17C5EEA-D671-4453-97C7-AF6A67BC87D3}" type="slidenum">
               <a:rPr lang="en-US" smtClean="0"/>
-              <a:t>19</a:t>
+              <a:t>18</a:t>
             </a:fld>
             <a:endParaRPr lang="en-US"/>
           </a:p>
@@ -1078,7 +1081,7 @@
     </p:spTree>
     <p:extLst>
       <p:ext uri="{BB962C8B-B14F-4D97-AF65-F5344CB8AC3E}">
-        <p14:creationId xmlns:p14="http://schemas.microsoft.com/office/powerpoint/2010/main" val="4170942446"/>
+        <p14:creationId xmlns:p14="http://schemas.microsoft.com/office/powerpoint/2010/main" val="3847626928"/>
       </p:ext>
     </p:extLst>
   </p:cSld>
@@ -1153,7 +1156,7 @@
           <a:p>
             <a:fld id="{D17C5EEA-D671-4453-97C7-AF6A67BC87D3}" type="slidenum">
               <a:rPr lang="en-US" smtClean="0"/>
-              <a:t>20</a:t>
+              <a:t>19</a:t>
             </a:fld>
             <a:endParaRPr lang="en-US"/>
           </a:p>
@@ -1162,7 +1165,7 @@
     </p:spTree>
     <p:extLst>
       <p:ext uri="{BB962C8B-B14F-4D97-AF65-F5344CB8AC3E}">
-        <p14:creationId xmlns:p14="http://schemas.microsoft.com/office/powerpoint/2010/main" val="3605605824"/>
+        <p14:creationId xmlns:p14="http://schemas.microsoft.com/office/powerpoint/2010/main" val="4170942446"/>
       </p:ext>
     </p:extLst>
   </p:cSld>
@@ -1237,7 +1240,7 @@
           <a:p>
             <a:fld id="{D17C5EEA-D671-4453-97C7-AF6A67BC87D3}" type="slidenum">
               <a:rPr lang="en-US" smtClean="0"/>
-              <a:t>21</a:t>
+              <a:t>20</a:t>
             </a:fld>
             <a:endParaRPr lang="en-US"/>
           </a:p>
@@ -1246,7 +1249,7 @@
     </p:spTree>
     <p:extLst>
       <p:ext uri="{BB962C8B-B14F-4D97-AF65-F5344CB8AC3E}">
-        <p14:creationId xmlns:p14="http://schemas.microsoft.com/office/powerpoint/2010/main" val="3737585268"/>
+        <p14:creationId xmlns:p14="http://schemas.microsoft.com/office/powerpoint/2010/main" val="3605605824"/>
       </p:ext>
     </p:extLst>
   </p:cSld>
@@ -1321,7 +1324,7 @@
           <a:p>
             <a:fld id="{D17C5EEA-D671-4453-97C7-AF6A67BC87D3}" type="slidenum">
               <a:rPr lang="en-US" smtClean="0"/>
-              <a:t>22</a:t>
+              <a:t>21</a:t>
             </a:fld>
             <a:endParaRPr lang="en-US"/>
           </a:p>
@@ -1330,7 +1333,7 @@
     </p:spTree>
     <p:extLst>
       <p:ext uri="{BB962C8B-B14F-4D97-AF65-F5344CB8AC3E}">
-        <p14:creationId xmlns:p14="http://schemas.microsoft.com/office/powerpoint/2010/main" val="538726284"/>
+        <p14:creationId xmlns:p14="http://schemas.microsoft.com/office/powerpoint/2010/main" val="3737585268"/>
       </p:ext>
     </p:extLst>
   </p:cSld>
@@ -1405,7 +1408,7 @@
           <a:p>
             <a:fld id="{D17C5EEA-D671-4453-97C7-AF6A67BC87D3}" type="slidenum">
               <a:rPr lang="en-US" smtClean="0"/>
-              <a:t>23</a:t>
+              <a:t>22</a:t>
             </a:fld>
             <a:endParaRPr lang="en-US"/>
           </a:p>
@@ -1414,7 +1417,7 @@
     </p:spTree>
     <p:extLst>
       <p:ext uri="{BB962C8B-B14F-4D97-AF65-F5344CB8AC3E}">
-        <p14:creationId xmlns:p14="http://schemas.microsoft.com/office/powerpoint/2010/main" val="69372650"/>
+        <p14:creationId xmlns:p14="http://schemas.microsoft.com/office/powerpoint/2010/main" val="538726284"/>
       </p:ext>
     </p:extLst>
   </p:cSld>
@@ -1489,7 +1492,7 @@
           <a:p>
             <a:fld id="{D17C5EEA-D671-4453-97C7-AF6A67BC87D3}" type="slidenum">
               <a:rPr lang="en-US" smtClean="0"/>
-              <a:t>5</a:t>
+              <a:t>4</a:t>
             </a:fld>
             <a:endParaRPr lang="en-US" dirty="0"/>
           </a:p>
@@ -1498,7 +1501,7 @@
     </p:spTree>
     <p:extLst>
       <p:ext uri="{BB962C8B-B14F-4D97-AF65-F5344CB8AC3E}">
-        <p14:creationId xmlns:p14="http://schemas.microsoft.com/office/powerpoint/2010/main" val="1511119149"/>
+        <p14:creationId xmlns:p14="http://schemas.microsoft.com/office/powerpoint/2010/main" val="4180779325"/>
       </p:ext>
     </p:extLst>
   </p:cSld>
@@ -1573,7 +1576,7 @@
           <a:p>
             <a:fld id="{D17C5EEA-D671-4453-97C7-AF6A67BC87D3}" type="slidenum">
               <a:rPr lang="en-US" smtClean="0"/>
-              <a:t>24</a:t>
+              <a:t>23</a:t>
             </a:fld>
             <a:endParaRPr lang="en-US"/>
           </a:p>
@@ -1582,7 +1585,7 @@
     </p:spTree>
     <p:extLst>
       <p:ext uri="{BB962C8B-B14F-4D97-AF65-F5344CB8AC3E}">
-        <p14:creationId xmlns:p14="http://schemas.microsoft.com/office/powerpoint/2010/main" val="2061548482"/>
+        <p14:creationId xmlns:p14="http://schemas.microsoft.com/office/powerpoint/2010/main" val="69372650"/>
       </p:ext>
     </p:extLst>
   </p:cSld>
@@ -1657,7 +1660,7 @@
           <a:p>
             <a:fld id="{D17C5EEA-D671-4453-97C7-AF6A67BC87D3}" type="slidenum">
               <a:rPr lang="en-US" smtClean="0"/>
-              <a:t>25</a:t>
+              <a:t>24</a:t>
             </a:fld>
             <a:endParaRPr lang="en-US"/>
           </a:p>
@@ -1666,7 +1669,7 @@
     </p:spTree>
     <p:extLst>
       <p:ext uri="{BB962C8B-B14F-4D97-AF65-F5344CB8AC3E}">
-        <p14:creationId xmlns:p14="http://schemas.microsoft.com/office/powerpoint/2010/main" val="2750805847"/>
+        <p14:creationId xmlns:p14="http://schemas.microsoft.com/office/powerpoint/2010/main" val="2061548482"/>
       </p:ext>
     </p:extLst>
   </p:cSld>
@@ -1741,7 +1744,7 @@
           <a:p>
             <a:fld id="{D17C5EEA-D671-4453-97C7-AF6A67BC87D3}" type="slidenum">
               <a:rPr lang="en-US" smtClean="0"/>
-              <a:t>26</a:t>
+              <a:t>25</a:t>
             </a:fld>
             <a:endParaRPr lang="en-US"/>
           </a:p>
@@ -1750,7 +1753,7 @@
     </p:spTree>
     <p:extLst>
       <p:ext uri="{BB962C8B-B14F-4D97-AF65-F5344CB8AC3E}">
-        <p14:creationId xmlns:p14="http://schemas.microsoft.com/office/powerpoint/2010/main" val="4023029474"/>
+        <p14:creationId xmlns:p14="http://schemas.microsoft.com/office/powerpoint/2010/main" val="2750805847"/>
       </p:ext>
     </p:extLst>
   </p:cSld>
@@ -1825,7 +1828,7 @@
           <a:p>
             <a:fld id="{D17C5EEA-D671-4453-97C7-AF6A67BC87D3}" type="slidenum">
               <a:rPr lang="en-US" smtClean="0"/>
-              <a:t>27</a:t>
+              <a:t>26</a:t>
             </a:fld>
             <a:endParaRPr lang="en-US"/>
           </a:p>
@@ -1834,7 +1837,7 @@
     </p:spTree>
     <p:extLst>
       <p:ext uri="{BB962C8B-B14F-4D97-AF65-F5344CB8AC3E}">
-        <p14:creationId xmlns:p14="http://schemas.microsoft.com/office/powerpoint/2010/main" val="181804078"/>
+        <p14:creationId xmlns:p14="http://schemas.microsoft.com/office/powerpoint/2010/main" val="4023029474"/>
       </p:ext>
     </p:extLst>
   </p:cSld>
@@ -1909,7 +1912,7 @@
           <a:p>
             <a:fld id="{D17C5EEA-D671-4453-97C7-AF6A67BC87D3}" type="slidenum">
               <a:rPr lang="en-US" smtClean="0"/>
-              <a:t>28</a:t>
+              <a:t>27</a:t>
             </a:fld>
             <a:endParaRPr lang="en-US"/>
           </a:p>
@@ -1918,7 +1921,7 @@
     </p:spTree>
     <p:extLst>
       <p:ext uri="{BB962C8B-B14F-4D97-AF65-F5344CB8AC3E}">
-        <p14:creationId xmlns:p14="http://schemas.microsoft.com/office/powerpoint/2010/main" val="3263185041"/>
+        <p14:creationId xmlns:p14="http://schemas.microsoft.com/office/powerpoint/2010/main" val="181804078"/>
       </p:ext>
     </p:extLst>
   </p:cSld>
@@ -1993,7 +1996,7 @@
           <a:p>
             <a:fld id="{D17C5EEA-D671-4453-97C7-AF6A67BC87D3}" type="slidenum">
               <a:rPr lang="en-US" smtClean="0"/>
-              <a:t>29</a:t>
+              <a:t>28</a:t>
             </a:fld>
             <a:endParaRPr lang="en-US"/>
           </a:p>
@@ -2002,7 +2005,7 @@
     </p:spTree>
     <p:extLst>
       <p:ext uri="{BB962C8B-B14F-4D97-AF65-F5344CB8AC3E}">
-        <p14:creationId xmlns:p14="http://schemas.microsoft.com/office/powerpoint/2010/main" val="1936027638"/>
+        <p14:creationId xmlns:p14="http://schemas.microsoft.com/office/powerpoint/2010/main" val="3263185041"/>
       </p:ext>
     </p:extLst>
   </p:cSld>
@@ -2077,7 +2080,7 @@
           <a:p>
             <a:fld id="{D17C5EEA-D671-4453-97C7-AF6A67BC87D3}" type="slidenum">
               <a:rPr lang="en-US" smtClean="0"/>
-              <a:t>30</a:t>
+              <a:t>29</a:t>
             </a:fld>
             <a:endParaRPr lang="en-US"/>
           </a:p>
@@ -2086,7 +2089,7 @@
     </p:spTree>
     <p:extLst>
       <p:ext uri="{BB962C8B-B14F-4D97-AF65-F5344CB8AC3E}">
-        <p14:creationId xmlns:p14="http://schemas.microsoft.com/office/powerpoint/2010/main" val="823402393"/>
+        <p14:creationId xmlns:p14="http://schemas.microsoft.com/office/powerpoint/2010/main" val="1936027638"/>
       </p:ext>
     </p:extLst>
   </p:cSld>
@@ -2161,7 +2164,7 @@
           <a:p>
             <a:fld id="{D17C5EEA-D671-4453-97C7-AF6A67BC87D3}" type="slidenum">
               <a:rPr lang="en-US" smtClean="0"/>
-              <a:t>31</a:t>
+              <a:t>30</a:t>
             </a:fld>
             <a:endParaRPr lang="en-US"/>
           </a:p>
@@ -2170,7 +2173,7 @@
     </p:spTree>
     <p:extLst>
       <p:ext uri="{BB962C8B-B14F-4D97-AF65-F5344CB8AC3E}">
-        <p14:creationId xmlns:p14="http://schemas.microsoft.com/office/powerpoint/2010/main" val="3359844466"/>
+        <p14:creationId xmlns:p14="http://schemas.microsoft.com/office/powerpoint/2010/main" val="823402393"/>
       </p:ext>
     </p:extLst>
   </p:cSld>
@@ -2245,7 +2248,7 @@
           <a:p>
             <a:fld id="{D17C5EEA-D671-4453-97C7-AF6A67BC87D3}" type="slidenum">
               <a:rPr lang="en-US" smtClean="0"/>
-              <a:t>32</a:t>
+              <a:t>31</a:t>
             </a:fld>
             <a:endParaRPr lang="en-US"/>
           </a:p>
@@ -2254,7 +2257,7 @@
     </p:spTree>
     <p:extLst>
       <p:ext uri="{BB962C8B-B14F-4D97-AF65-F5344CB8AC3E}">
-        <p14:creationId xmlns:p14="http://schemas.microsoft.com/office/powerpoint/2010/main" val="1681607304"/>
+        <p14:creationId xmlns:p14="http://schemas.microsoft.com/office/powerpoint/2010/main" val="3359844466"/>
       </p:ext>
     </p:extLst>
   </p:cSld>
@@ -2329,7 +2332,7 @@
           <a:p>
             <a:fld id="{D17C5EEA-D671-4453-97C7-AF6A67BC87D3}" type="slidenum">
               <a:rPr lang="en-US" smtClean="0"/>
-              <a:t>33</a:t>
+              <a:t>32</a:t>
             </a:fld>
             <a:endParaRPr lang="en-US"/>
           </a:p>
@@ -2338,7 +2341,7 @@
     </p:spTree>
     <p:extLst>
       <p:ext uri="{BB962C8B-B14F-4D97-AF65-F5344CB8AC3E}">
-        <p14:creationId xmlns:p14="http://schemas.microsoft.com/office/powerpoint/2010/main" val="835175827"/>
+        <p14:creationId xmlns:p14="http://schemas.microsoft.com/office/powerpoint/2010/main" val="1681607304"/>
       </p:ext>
     </p:extLst>
   </p:cSld>
@@ -2413,7 +2416,7 @@
           <a:p>
             <a:fld id="{D17C5EEA-D671-4453-97C7-AF6A67BC87D3}" type="slidenum">
               <a:rPr lang="en-US" smtClean="0"/>
-              <a:t>6</a:t>
+              <a:t>5</a:t>
             </a:fld>
             <a:endParaRPr lang="en-US" dirty="0"/>
           </a:p>
@@ -2422,7 +2425,7 @@
     </p:spTree>
     <p:extLst>
       <p:ext uri="{BB962C8B-B14F-4D97-AF65-F5344CB8AC3E}">
-        <p14:creationId xmlns:p14="http://schemas.microsoft.com/office/powerpoint/2010/main" val="1723501989"/>
+        <p14:creationId xmlns:p14="http://schemas.microsoft.com/office/powerpoint/2010/main" val="1511119149"/>
       </p:ext>
     </p:extLst>
   </p:cSld>
@@ -2476,7 +2479,7 @@
           <a:bodyPr/>
           <a:lstStyle/>
           <a:p>
-            <a:endParaRPr lang="en-SG" dirty="0"/>
+            <a:endParaRPr lang="en-SG"/>
           </a:p>
         </p:txBody>
       </p:sp>
@@ -2487,7 +2490,7 @@
             <a:spLocks noGrp="1"/>
           </p:cNvSpPr>
           <p:nvPr>
-            <p:ph type="sldNum" sz="quarter" idx="10"/>
+            <p:ph type="sldNum" sz="quarter" idx="5"/>
           </p:nvPr>
         </p:nvSpPr>
         <p:spPr/>
@@ -2495,18 +2498,18 @@
           <a:bodyPr/>
           <a:lstStyle/>
           <a:p>
-            <a:fld id="{3EE3A57E-E920-4C34-91F5-3C46E07A964E}" type="slidenum">
-              <a:rPr lang="en-SG" smtClean="0"/>
-              <a:t>34</a:t>
+            <a:fld id="{D17C5EEA-D671-4453-97C7-AF6A67BC87D3}" type="slidenum">
+              <a:rPr lang="en-US" smtClean="0"/>
+              <a:t>33</a:t>
             </a:fld>
-            <a:endParaRPr lang="en-SG"/>
+            <a:endParaRPr lang="en-US"/>
           </a:p>
         </p:txBody>
       </p:sp>
     </p:spTree>
     <p:extLst>
       <p:ext uri="{BB962C8B-B14F-4D97-AF65-F5344CB8AC3E}">
-        <p14:creationId xmlns:p14="http://schemas.microsoft.com/office/powerpoint/2010/main" val="1842131503"/>
+        <p14:creationId xmlns:p14="http://schemas.microsoft.com/office/powerpoint/2010/main" val="835175827"/>
       </p:ext>
     </p:extLst>
   </p:cSld>
@@ -2590,7 +2593,7 @@
     </p:spTree>
     <p:extLst>
       <p:ext uri="{BB962C8B-B14F-4D97-AF65-F5344CB8AC3E}">
-        <p14:creationId xmlns:p14="http://schemas.microsoft.com/office/powerpoint/2010/main" val="2409214907"/>
+        <p14:creationId xmlns:p14="http://schemas.microsoft.com/office/powerpoint/2010/main" val="1842131503"/>
       </p:ext>
     </p:extLst>
   </p:cSld>
@@ -2674,7 +2677,7 @@
     </p:spTree>
     <p:extLst>
       <p:ext uri="{BB962C8B-B14F-4D97-AF65-F5344CB8AC3E}">
-        <p14:creationId xmlns:p14="http://schemas.microsoft.com/office/powerpoint/2010/main" val="1476748937"/>
+        <p14:creationId xmlns:p14="http://schemas.microsoft.com/office/powerpoint/2010/main" val="2409214907"/>
       </p:ext>
     </p:extLst>
   </p:cSld>
@@ -2728,6 +2731,90 @@
           <a:bodyPr/>
           <a:lstStyle/>
           <a:p>
+            <a:endParaRPr lang="en-SG" dirty="0"/>
+          </a:p>
+        </p:txBody>
+      </p:sp>
+      <p:sp>
+        <p:nvSpPr>
+          <p:cNvPr id="4" name="Slide Number Placeholder 3"/>
+          <p:cNvSpPr>
+            <a:spLocks noGrp="1"/>
+          </p:cNvSpPr>
+          <p:nvPr>
+            <p:ph type="sldNum" sz="quarter" idx="10"/>
+          </p:nvPr>
+        </p:nvSpPr>
+        <p:spPr/>
+        <p:txBody>
+          <a:bodyPr/>
+          <a:lstStyle/>
+          <a:p>
+            <a:fld id="{3EE3A57E-E920-4C34-91F5-3C46E07A964E}" type="slidenum">
+              <a:rPr lang="en-SG" smtClean="0"/>
+              <a:t>37</a:t>
+            </a:fld>
+            <a:endParaRPr lang="en-SG"/>
+          </a:p>
+        </p:txBody>
+      </p:sp>
+    </p:spTree>
+    <p:extLst>
+      <p:ext uri="{BB962C8B-B14F-4D97-AF65-F5344CB8AC3E}">
+        <p14:creationId xmlns:p14="http://schemas.microsoft.com/office/powerpoint/2010/main" val="1476748937"/>
+      </p:ext>
+    </p:extLst>
+  </p:cSld>
+  <p:clrMapOvr>
+    <a:masterClrMapping/>
+  </p:clrMapOvr>
+</p:notes>
+</file>
+
+<file path=ppt/notesSlides/notesSlide34.xml><?xml version="1.0" encoding="utf-8"?>
+<p:notes xmlns:a="http://schemas.openxmlformats.org/drawingml/2006/main" xmlns:r="http://schemas.openxmlformats.org/officeDocument/2006/relationships" xmlns:p="http://schemas.openxmlformats.org/presentationml/2006/main">
+  <p:cSld>
+    <p:spTree>
+      <p:nvGrpSpPr>
+        <p:cNvPr id="1" name=""/>
+        <p:cNvGrpSpPr/>
+        <p:nvPr/>
+      </p:nvGrpSpPr>
+      <p:grpSpPr>
+        <a:xfrm>
+          <a:off x="0" y="0"/>
+          <a:ext cx="0" cy="0"/>
+          <a:chOff x="0" y="0"/>
+          <a:chExt cx="0" cy="0"/>
+        </a:xfrm>
+      </p:grpSpPr>
+      <p:sp>
+        <p:nvSpPr>
+          <p:cNvPr id="2" name="Slide Image Placeholder 1"/>
+          <p:cNvSpPr>
+            <a:spLocks noGrp="1" noRot="1" noChangeAspect="1"/>
+          </p:cNvSpPr>
+          <p:nvPr>
+            <p:ph type="sldImg"/>
+          </p:nvPr>
+        </p:nvSpPr>
+        <p:spPr/>
+      </p:sp>
+      <p:sp>
+        <p:nvSpPr>
+          <p:cNvPr id="3" name="Notes Placeholder 2"/>
+          <p:cNvSpPr>
+            <a:spLocks noGrp="1"/>
+          </p:cNvSpPr>
+          <p:nvPr>
+            <p:ph type="body" idx="1"/>
+          </p:nvPr>
+        </p:nvSpPr>
+        <p:spPr/>
+        <p:txBody>
+          <a:bodyPr/>
+          <a:lstStyle/>
+          <a:p>
             <a:endParaRPr lang="en-US" dirty="0"/>
           </a:p>
         </p:txBody>
@@ -2749,7 +2836,7 @@
           <a:p>
             <a:fld id="{D17C5EEA-D671-4453-97C7-AF6A67BC87D3}" type="slidenum">
               <a:rPr lang="en-US" smtClean="0"/>
-              <a:t>37</a:t>
+              <a:t>38</a:t>
             </a:fld>
             <a:endParaRPr lang="en-US"/>
           </a:p>
@@ -2812,7 +2899,7 @@
           <a:bodyPr/>
           <a:lstStyle/>
           <a:p>
-            <a:endParaRPr lang="en-SG"/>
+            <a:endParaRPr lang="en-SG" dirty="0"/>
           </a:p>
         </p:txBody>
       </p:sp>
@@ -2833,16 +2920,16 @@
           <a:p>
             <a:fld id="{D17C5EEA-D671-4453-97C7-AF6A67BC87D3}" type="slidenum">
               <a:rPr lang="en-US" smtClean="0"/>
-              <a:t>7</a:t>
+              <a:t>6</a:t>
             </a:fld>
-            <a:endParaRPr lang="en-US"/>
+            <a:endParaRPr lang="en-US" dirty="0"/>
           </a:p>
         </p:txBody>
       </p:sp>
     </p:spTree>
     <p:extLst>
       <p:ext uri="{BB962C8B-B14F-4D97-AF65-F5344CB8AC3E}">
-        <p14:creationId xmlns:p14="http://schemas.microsoft.com/office/powerpoint/2010/main" val="1593043086"/>
+        <p14:creationId xmlns:p14="http://schemas.microsoft.com/office/powerpoint/2010/main" val="1723501989"/>
       </p:ext>
     </p:extLst>
   </p:cSld>
@@ -2917,7 +3004,7 @@
           <a:p>
             <a:fld id="{D17C5EEA-D671-4453-97C7-AF6A67BC87D3}" type="slidenum">
               <a:rPr lang="en-US" smtClean="0"/>
-              <a:t>8</a:t>
+              <a:t>7</a:t>
             </a:fld>
             <a:endParaRPr lang="en-US"/>
           </a:p>
@@ -2926,7 +3013,7 @@
     </p:spTree>
     <p:extLst>
       <p:ext uri="{BB962C8B-B14F-4D97-AF65-F5344CB8AC3E}">
-        <p14:creationId xmlns:p14="http://schemas.microsoft.com/office/powerpoint/2010/main" val="2059483969"/>
+        <p14:creationId xmlns:p14="http://schemas.microsoft.com/office/powerpoint/2010/main" val="1593043086"/>
       </p:ext>
     </p:extLst>
   </p:cSld>
@@ -3001,7 +3088,7 @@
           <a:p>
             <a:fld id="{D17C5EEA-D671-4453-97C7-AF6A67BC87D3}" type="slidenum">
               <a:rPr lang="en-US" smtClean="0"/>
-              <a:t>9</a:t>
+              <a:t>8</a:t>
             </a:fld>
             <a:endParaRPr lang="en-US"/>
           </a:p>
@@ -3010,7 +3097,7 @@
     </p:spTree>
     <p:extLst>
       <p:ext uri="{BB962C8B-B14F-4D97-AF65-F5344CB8AC3E}">
-        <p14:creationId xmlns:p14="http://schemas.microsoft.com/office/powerpoint/2010/main" val="1696851117"/>
+        <p14:creationId xmlns:p14="http://schemas.microsoft.com/office/powerpoint/2010/main" val="2059483969"/>
       </p:ext>
     </p:extLst>
   </p:cSld>
@@ -3085,7 +3172,7 @@
           <a:p>
             <a:fld id="{D17C5EEA-D671-4453-97C7-AF6A67BC87D3}" type="slidenum">
               <a:rPr lang="en-US" smtClean="0"/>
-              <a:t>10</a:t>
+              <a:t>9</a:t>
             </a:fld>
             <a:endParaRPr lang="en-US"/>
           </a:p>
@@ -3094,7 +3181,7 @@
     </p:spTree>
     <p:extLst>
       <p:ext uri="{BB962C8B-B14F-4D97-AF65-F5344CB8AC3E}">
-        <p14:creationId xmlns:p14="http://schemas.microsoft.com/office/powerpoint/2010/main" val="2118315892"/>
+        <p14:creationId xmlns:p14="http://schemas.microsoft.com/office/powerpoint/2010/main" val="1696851117"/>
       </p:ext>
     </p:extLst>
   </p:cSld>
@@ -3169,7 +3256,7 @@
           <a:p>
             <a:fld id="{D17C5EEA-D671-4453-97C7-AF6A67BC87D3}" type="slidenum">
               <a:rPr lang="en-US" smtClean="0"/>
-              <a:t>11</a:t>
+              <a:t>10</a:t>
             </a:fld>
             <a:endParaRPr lang="en-US"/>
           </a:p>
@@ -3178,7 +3265,7 @@
     </p:spTree>
     <p:extLst>
       <p:ext uri="{BB962C8B-B14F-4D97-AF65-F5344CB8AC3E}">
-        <p14:creationId xmlns:p14="http://schemas.microsoft.com/office/powerpoint/2010/main" val="14581903"/>
+        <p14:creationId xmlns:p14="http://schemas.microsoft.com/office/powerpoint/2010/main" val="2118315892"/>
       </p:ext>
     </p:extLst>
   </p:cSld>
@@ -3253,7 +3340,7 @@
           <a:p>
             <a:fld id="{D17C5EEA-D671-4453-97C7-AF6A67BC87D3}" type="slidenum">
               <a:rPr lang="en-US" smtClean="0"/>
-              <a:t>12</a:t>
+              <a:t>11</a:t>
             </a:fld>
             <a:endParaRPr lang="en-US"/>
           </a:p>
@@ -3262,7 +3349,7 @@
     </p:spTree>
     <p:extLst>
       <p:ext uri="{BB962C8B-B14F-4D97-AF65-F5344CB8AC3E}">
-        <p14:creationId xmlns:p14="http://schemas.microsoft.com/office/powerpoint/2010/main" val="2200660928"/>
+        <p14:creationId xmlns:p14="http://schemas.microsoft.com/office/powerpoint/2010/main" val="14581903"/>
       </p:ext>
     </p:extLst>
   </p:cSld>
@@ -3423,7 +3510,7 @@
           <a:p>
             <a:fld id="{6CCF18BA-79E2-4428-BC0A-399EA0551CA6}" type="datetimeFigureOut">
               <a:rPr lang="en-US" smtClean="0"/>
-              <a:t>9/3/2024</a:t>
+              <a:t>9/5/2024</a:t>
             </a:fld>
             <a:endParaRPr lang="en-US"/>
           </a:p>
@@ -3653,7 +3740,7 @@
           <a:p>
             <a:fld id="{6CCF18BA-79E2-4428-BC0A-399EA0551CA6}" type="datetimeFigureOut">
               <a:rPr lang="en-US" smtClean="0"/>
-              <a:t>9/3/2024</a:t>
+              <a:t>9/5/2024</a:t>
             </a:fld>
             <a:endParaRPr lang="en-US"/>
           </a:p>
@@ -3893,7 +3980,7 @@
           <a:p>
             <a:fld id="{6CCF18BA-79E2-4428-BC0A-399EA0551CA6}" type="datetimeFigureOut">
               <a:rPr lang="en-US" smtClean="0"/>
-              <a:t>9/3/2024</a:t>
+              <a:t>9/5/2024</a:t>
             </a:fld>
             <a:endParaRPr lang="en-US"/>
           </a:p>
@@ -4123,7 +4210,7 @@
           <a:p>
             <a:fld id="{6CCF18BA-79E2-4428-BC0A-399EA0551CA6}" type="datetimeFigureOut">
               <a:rPr lang="en-US" smtClean="0"/>
-              <a:t>9/3/2024</a:t>
+              <a:t>9/5/2024</a:t>
             </a:fld>
             <a:endParaRPr lang="en-US"/>
           </a:p>
@@ -4401,7 +4488,7 @@
           <a:p>
             <a:fld id="{6CCF18BA-79E2-4428-BC0A-399EA0551CA6}" type="datetimeFigureOut">
               <a:rPr lang="en-US" smtClean="0"/>
-              <a:t>9/3/2024</a:t>
+              <a:t>9/5/2024</a:t>
             </a:fld>
             <a:endParaRPr lang="en-US"/>
           </a:p>
@@ -4724,7 +4811,7 @@
           <a:p>
             <a:fld id="{6CCF18BA-79E2-4428-BC0A-399EA0551CA6}" type="datetimeFigureOut">
               <a:rPr lang="en-US" smtClean="0"/>
-              <a:t>9/3/2024</a:t>
+              <a:t>9/5/2024</a:t>
             </a:fld>
             <a:endParaRPr lang="en-US"/>
           </a:p>
@@ -5198,7 +5285,7 @@
           <a:p>
             <a:fld id="{6CCF18BA-79E2-4428-BC0A-399EA0551CA6}" type="datetimeFigureOut">
               <a:rPr lang="en-US" smtClean="0"/>
-              <a:t>9/3/2024</a:t>
+              <a:t>9/5/2024</a:t>
             </a:fld>
             <a:endParaRPr lang="en-US"/>
           </a:p>
@@ -5345,7 +5432,7 @@
           <a:p>
             <a:fld id="{6CCF18BA-79E2-4428-BC0A-399EA0551CA6}" type="datetimeFigureOut">
               <a:rPr lang="en-US" smtClean="0"/>
-              <a:t>9/3/2024</a:t>
+              <a:t>9/5/2024</a:t>
             </a:fld>
             <a:endParaRPr lang="en-US"/>
           </a:p>
@@ -5458,7 +5545,7 @@
           <a:p>
             <a:fld id="{6CCF18BA-79E2-4428-BC0A-399EA0551CA6}" type="datetimeFigureOut">
               <a:rPr lang="en-US" smtClean="0"/>
-              <a:t>9/3/2024</a:t>
+              <a:t>9/5/2024</a:t>
             </a:fld>
             <a:endParaRPr lang="en-US"/>
           </a:p>
@@ -5783,7 +5870,7 @@
           <a:p>
             <a:fld id="{6CCF18BA-79E2-4428-BC0A-399EA0551CA6}" type="datetimeFigureOut">
               <a:rPr lang="en-US" smtClean="0"/>
-              <a:t>9/3/2024</a:t>
+              <a:t>9/5/2024</a:t>
             </a:fld>
             <a:endParaRPr lang="en-US"/>
           </a:p>
@@ -6075,7 +6162,7 @@
           <a:p>
             <a:fld id="{6CCF18BA-79E2-4428-BC0A-399EA0551CA6}" type="datetimeFigureOut">
               <a:rPr lang="en-US" smtClean="0"/>
-              <a:t>9/3/2024</a:t>
+              <a:t>9/5/2024</a:t>
             </a:fld>
             <a:endParaRPr lang="en-US"/>
           </a:p>
@@ -6316,7 +6403,7 @@
           <a:p>
             <a:fld id="{6CCF18BA-79E2-4428-BC0A-399EA0551CA6}" type="datetimeFigureOut">
               <a:rPr lang="en-US" smtClean="0"/>
-              <a:t>9/3/2024</a:t>
+              <a:t>9/5/2024</a:t>
             </a:fld>
             <a:endParaRPr lang="en-US"/>
           </a:p>
@@ -6759,8 +6846,19 @@
                 <a:latin typeface="AndesNeue Alt 2 Medium" panose="00000600000000000000" pitchFamily="2" charset="0"/>
                 <a:ea typeface="Source Sans Pro" panose="020B0503030403020204" pitchFamily="34" charset="0"/>
               </a:rPr>
-              <a:t>CS2100 Tutorial 2</a:t>
-            </a:r>
+              <a:t>CS2100 </a:t>
+            </a:r>
+            <a:r>
+              <a:rPr lang="en-US">
+                <a:latin typeface="AndesNeue Alt 2 Medium" panose="00000600000000000000" pitchFamily="2" charset="0"/>
+                <a:ea typeface="Source Sans Pro" panose="020B0503030403020204" pitchFamily="34" charset="0"/>
+              </a:rPr>
+              <a:t>Tutorial 3</a:t>
+            </a:r>
+            <a:endParaRPr lang="en-US" dirty="0">
+              <a:latin typeface="AndesNeue Alt 2 Medium" panose="00000600000000000000" pitchFamily="2" charset="0"/>
+              <a:ea typeface="Source Sans Pro" panose="020B0503030403020204" pitchFamily="34" charset="0"/>
+            </a:endParaRPr>
           </a:p>
         </p:txBody>
       </p:sp>
@@ -10234,13 +10332,13 @@
   <p:clrMapOvr>
     <a:masterClrMapping/>
   </p:clrMapOvr>
-  <mc:AlternateContent xmlns:mc="http://schemas.openxmlformats.org/markup-compatibility/2006">
-    <mc:Choice xmlns:p14="http://schemas.microsoft.com/office/powerpoint/2010/main" Requires="p14">
+  <mc:AlternateContent xmlns:mc="http://schemas.openxmlformats.org/markup-compatibility/2006" xmlns:p14="http://schemas.microsoft.com/office/powerpoint/2010/main">
+    <mc:Choice Requires="p14">
       <p:transition spd="med" p14:dur="700">
         <p:fade/>
       </p:transition>
     </mc:Choice>
-    <mc:Fallback>
+    <mc:Fallback xmlns="">
       <p:transition spd="med">
         <p:fade/>
       </p:transition>
@@ -13621,13 +13719,13 @@
   <p:clrMapOvr>
     <a:masterClrMapping/>
   </p:clrMapOvr>
-  <mc:AlternateContent xmlns:mc="http://schemas.openxmlformats.org/markup-compatibility/2006">
-    <mc:Choice xmlns:p14="http://schemas.microsoft.com/office/powerpoint/2010/main" Requires="p14">
+  <mc:AlternateContent xmlns:mc="http://schemas.openxmlformats.org/markup-compatibility/2006" xmlns:p14="http://schemas.microsoft.com/office/powerpoint/2010/main">
+    <mc:Choice Requires="p14">
       <p:transition spd="med" p14:dur="700">
         <p:fade/>
       </p:transition>
     </mc:Choice>
-    <mc:Fallback>
+    <mc:Fallback xmlns="">
       <p:transition spd="med">
         <p:fade/>
       </p:transition>
@@ -17195,13 +17293,13 @@
   <p:clrMapOvr>
     <a:masterClrMapping/>
   </p:clrMapOvr>
-  <mc:AlternateContent xmlns:mc="http://schemas.openxmlformats.org/markup-compatibility/2006">
-    <mc:Choice xmlns:p14="http://schemas.microsoft.com/office/powerpoint/2010/main" Requires="p14">
+  <mc:AlternateContent xmlns:mc="http://schemas.openxmlformats.org/markup-compatibility/2006" xmlns:p14="http://schemas.microsoft.com/office/powerpoint/2010/main">
+    <mc:Choice Requires="p14">
       <p:transition spd="med" p14:dur="700">
         <p:fade/>
       </p:transition>
     </mc:Choice>
-    <mc:Fallback>
+    <mc:Fallback xmlns="">
       <p:transition spd="med">
         <p:fade/>
       </p:transition>
@@ -17290,7 +17388,7 @@
       </p:par>
     </p:tnLst>
     <p:bldLst>
-      <p:bldP spid="17" grpId="0"/>
+      <p:bldP spid="17" grpId="0" animBg="1"/>
     </p:bldLst>
   </p:timing>
 </p:sld>
@@ -19957,7 +20055,12 @@
             <p:ph idx="1"/>
           </p:nvPr>
         </p:nvSpPr>
-        <p:spPr/>
+        <p:spPr>
+          <a:xfrm>
+            <a:off x="838200" y="1825625"/>
+            <a:ext cx="10515600" cy="4667250"/>
+          </a:xfrm>
+        </p:spPr>
         <p:txBody>
           <a:bodyPr/>
           <a:lstStyle/>
@@ -20012,8 +20115,28 @@
             </a:pPr>
             <a:r>
               <a:rPr lang="en-SG" dirty="0"/>
-              <a:t>Q4) MIPS Tracing</a:t>
-            </a:r>
+              <a:t>Q4) </a:t>
+            </a:r>
+            <a:r>
+              <a:rPr lang="en-SG"/>
+              <a:t>MIPS Tracing</a:t>
+            </a:r>
+          </a:p>
+          <a:p>
+            <a:pPr marL="0" indent="0">
+              <a:buNone/>
+            </a:pPr>
+            <a:endParaRPr lang="en-SG"/>
+          </a:p>
+          <a:p>
+            <a:pPr marL="0" indent="0">
+              <a:buNone/>
+            </a:pPr>
+            <a:r>
+              <a:rPr lang="en-SG"/>
+              <a:t>Bonus (look on your own): Next steps for C</a:t>
+            </a:r>
+            <a:endParaRPr lang="en-SG" dirty="0"/>
           </a:p>
         </p:txBody>
       </p:sp>
@@ -25805,8 +25928,18 @@
             <a:pPr lvl="1"/>
             <a:r>
               <a:rPr lang="en-US" dirty="0"/>
-              <a:t>do on your own, discuss in Canvas, ask me if anything</a:t>
-            </a:r>
+              <a:t>do on your own, discuss in Canvas, ask me </a:t>
+            </a:r>
+            <a:r>
+              <a:rPr lang="en-US"/>
+              <a:t>if anything</a:t>
+            </a:r>
+          </a:p>
+          <a:p>
+            <a:pPr marL="457200" lvl="1" indent="0">
+              <a:buNone/>
+            </a:pPr>
+            <a:endParaRPr lang="en-US" dirty="0"/>
           </a:p>
           <a:p>
             <a:r>
@@ -25818,7 +25951,22 @@
             <a:pPr lvl="1"/>
             <a:r>
               <a:rPr lang="en-US" dirty="0"/>
-              <a:t>take one (in-front), would be useful until exam time</a:t>
+              <a:t>take one (</a:t>
+            </a:r>
+            <a:r>
+              <a:rPr lang="en-US"/>
+              <a:t>in-front) if you haven't last week</a:t>
+            </a:r>
+          </a:p>
+          <a:p>
+            <a:pPr lvl="1"/>
+            <a:r>
+              <a:rPr lang="en-US"/>
+              <a:t>would </a:t>
+            </a:r>
+            <a:r>
+              <a:rPr lang="en-US" dirty="0"/>
+              <a:t>be useful until exam time</a:t>
             </a:r>
             <a:endParaRPr lang="en-SG" dirty="0"/>
           </a:p>
@@ -27983,8 +28131,8 @@
           </a:p>
         </p:txBody>
       </p:sp>
-      <mc:AlternateContent xmlns:mc="http://schemas.openxmlformats.org/markup-compatibility/2006">
-        <mc:Choice xmlns:a14="http://schemas.microsoft.com/office/drawing/2010/main" Requires="a14">
+      <mc:AlternateContent xmlns:mc="http://schemas.openxmlformats.org/markup-compatibility/2006" xmlns:a14="http://schemas.microsoft.com/office/drawing/2010/main">
+        <mc:Choice Requires="a14">
           <p:sp>
             <p:nvSpPr>
               <p:cNvPr id="6" name="TextBox 5">
@@ -28145,7 +28293,7 @@
             </p:txBody>
           </p:sp>
         </mc:Choice>
-        <mc:Fallback>
+        <mc:Fallback xmlns="">
           <p:sp>
             <p:nvSpPr>
               <p:cNvPr id="6" name="TextBox 5">
@@ -28308,1051 +28456,64 @@
       </p:grpSpPr>
       <p:sp>
         <p:nvSpPr>
-          <p:cNvPr id="104" name="Slide Number Placeholder 103"/>
+          <p:cNvPr id="6" name="Title 5">
+            <a:extLst>
+              <a:ext uri="{FF2B5EF4-FFF2-40B4-BE49-F238E27FC236}">
+                <a16:creationId xmlns:a16="http://schemas.microsoft.com/office/drawing/2014/main" id="{3AC4444C-9625-9FBC-6E10-DE5EBAFBDD3D}"/>
+              </a:ext>
+            </a:extLst>
+          </p:cNvPr>
           <p:cNvSpPr>
             <a:spLocks noGrp="1"/>
           </p:cNvSpPr>
           <p:nvPr>
-            <p:ph type="sldNum" sz="quarter" idx="12"/>
+            <p:ph type="title"/>
           </p:nvPr>
         </p:nvSpPr>
-        <p:spPr>
-          <a:xfrm>
-            <a:off x="9287091" y="6387033"/>
-            <a:ext cx="2743200" cy="365125"/>
-          </a:xfrm>
-        </p:spPr>
+        <p:spPr/>
         <p:txBody>
           <a:bodyPr/>
           <a:lstStyle/>
           <a:p>
-            <a:fld id="{AEBE2BCA-7FFD-4666-9163-5C061F649162}" type="slidenum">
-              <a:rPr lang="en-SG" sz="1600" b="1" smtClean="0">
-                <a:solidFill>
-                  <a:schemeClr val="tx1"/>
-                </a:solidFill>
-              </a:rPr>
-              <a:t>34</a:t>
-            </a:fld>
-            <a:endParaRPr lang="en-SG" sz="1600" b="1" dirty="0">
-              <a:solidFill>
-                <a:schemeClr val="tx1"/>
-              </a:solidFill>
-            </a:endParaRPr>
+            <a:r>
+              <a:rPr lang="en-SG"/>
+              <a:t>Break</a:t>
+            </a:r>
           </a:p>
         </p:txBody>
       </p:sp>
       <p:sp>
         <p:nvSpPr>
-          <p:cNvPr id="7" name="TextBox 6">
+          <p:cNvPr id="7" name="Text Placeholder 6">
             <a:extLst>
               <a:ext uri="{FF2B5EF4-FFF2-40B4-BE49-F238E27FC236}">
-                <a16:creationId xmlns:a16="http://schemas.microsoft.com/office/drawing/2014/main" id="{59B8F6E8-CDB0-44C2-85CF-7F25BEECC6EA}"/>
+                <a16:creationId xmlns:a16="http://schemas.microsoft.com/office/drawing/2014/main" id="{5E3098BC-20E9-5249-5CEA-DA05EAD6BB1B}"/>
               </a:ext>
             </a:extLst>
           </p:cNvPr>
-          <p:cNvSpPr txBox="1"/>
-          <p:nvPr/>
+          <p:cNvSpPr>
+            <a:spLocks noGrp="1"/>
+          </p:cNvSpPr>
+          <p:nvPr>
+            <p:ph type="body" idx="1"/>
+          </p:nvPr>
         </p:nvSpPr>
-        <p:spPr>
-          <a:xfrm>
-            <a:off x="119513" y="57069"/>
-            <a:ext cx="1039436" cy="523220"/>
-          </a:xfrm>
-          <a:prstGeom prst="rect">
-            <a:avLst/>
-          </a:prstGeom>
-          <a:noFill/>
-        </p:spPr>
+        <p:spPr/>
         <p:txBody>
-          <a:bodyPr wrap="square" rtlCol="0">
-            <a:spAutoFit/>
-          </a:bodyPr>
+          <a:bodyPr/>
           <a:lstStyle/>
           <a:p>
-            <a:pPr algn="ctr"/>
-            <a:r>
-              <a:rPr lang="en-SG" sz="2800" dirty="0">
-                <a:solidFill>
-                  <a:srgbClr val="C00000"/>
-                </a:solidFill>
-              </a:rPr>
-              <a:t>Q3</a:t>
-            </a:r>
-            <a:r>
-              <a:rPr lang="en-SG" sz="2800" dirty="0"/>
-              <a:t>(a)</a:t>
+            <a:r>
+              <a:rPr lang="en-SG"/>
+              <a:t>Take attendance :)</a:t>
             </a:r>
           </a:p>
         </p:txBody>
       </p:sp>
-      <p:sp>
-        <p:nvSpPr>
-          <p:cNvPr id="8" name="TextBox 7">
-            <a:extLst>
-              <a:ext uri="{FF2B5EF4-FFF2-40B4-BE49-F238E27FC236}">
-                <a16:creationId xmlns:a16="http://schemas.microsoft.com/office/drawing/2014/main" id="{0E814333-7305-4818-ACBD-F1871C2024CD}"/>
-              </a:ext>
-            </a:extLst>
-          </p:cNvPr>
-          <p:cNvSpPr txBox="1"/>
-          <p:nvPr/>
-        </p:nvSpPr>
-        <p:spPr>
-          <a:xfrm>
-            <a:off x="235699" y="580289"/>
-            <a:ext cx="1281904" cy="830997"/>
-          </a:xfrm>
-          <a:prstGeom prst="rect">
-            <a:avLst/>
-          </a:prstGeom>
-          <a:noFill/>
-        </p:spPr>
-        <p:txBody>
-          <a:bodyPr wrap="square" rtlCol="0">
-            <a:spAutoFit/>
-          </a:bodyPr>
-          <a:lstStyle/>
-          <a:p>
-            <a:r>
-              <a:rPr lang="en-SG" sz="2400" dirty="0">
-                <a:solidFill>
-                  <a:srgbClr val="0000FF"/>
-                </a:solidFill>
-              </a:rPr>
-              <a:t>Binary search</a:t>
-            </a:r>
-            <a:endParaRPr lang="en-SG" dirty="0">
-              <a:solidFill>
-                <a:srgbClr val="0000FF"/>
-              </a:solidFill>
-            </a:endParaRPr>
-          </a:p>
-        </p:txBody>
-      </p:sp>
-      <p:sp>
-        <p:nvSpPr>
-          <p:cNvPr id="2" name="TextBox 1"/>
-          <p:cNvSpPr txBox="1"/>
-          <p:nvPr/>
-        </p:nvSpPr>
-        <p:spPr>
-          <a:xfrm>
-            <a:off x="235699" y="1489379"/>
-            <a:ext cx="1728742" cy="2585323"/>
-          </a:xfrm>
-          <a:prstGeom prst="rect">
-            <a:avLst/>
-          </a:prstGeom>
-          <a:noFill/>
-        </p:spPr>
-        <p:txBody>
-          <a:bodyPr wrap="square" rtlCol="0">
-            <a:spAutoFit/>
-          </a:bodyPr>
-          <a:lstStyle/>
-          <a:p>
-            <a:r>
-              <a:rPr lang="en-US" b="1" dirty="0"/>
-              <a:t>Variable </a:t>
-            </a:r>
-          </a:p>
-          <a:p>
-            <a:r>
-              <a:rPr lang="en-US" b="1" dirty="0"/>
-              <a:t>mappings:</a:t>
-            </a:r>
-            <a:r>
-              <a:rPr lang="en-US" dirty="0"/>
-              <a:t> </a:t>
-            </a:r>
-          </a:p>
-          <a:p>
-            <a:r>
-              <a:rPr lang="en-US" dirty="0" err="1"/>
-              <a:t>addr</a:t>
-            </a:r>
-            <a:r>
-              <a:rPr lang="en-US" dirty="0"/>
-              <a:t>. of </a:t>
-            </a:r>
-          </a:p>
-          <a:p>
-            <a:r>
-              <a:rPr lang="en-US" dirty="0"/>
-              <a:t>array[0] </a:t>
-            </a:r>
-            <a:r>
-              <a:rPr lang="en-US" dirty="0">
-                <a:sym typeface="Wingdings" panose="05000000000000000000" pitchFamily="2" charset="2"/>
-              </a:rPr>
-              <a:t> $s0; </a:t>
-            </a:r>
-          </a:p>
-          <a:p>
-            <a:r>
-              <a:rPr lang="en-US" dirty="0">
-                <a:sym typeface="Wingdings" panose="05000000000000000000" pitchFamily="2" charset="2"/>
-              </a:rPr>
-              <a:t>target  $s1;</a:t>
-            </a:r>
-          </a:p>
-          <a:p>
-            <a:r>
-              <a:rPr lang="en-US" dirty="0">
-                <a:sym typeface="Wingdings" panose="05000000000000000000" pitchFamily="2" charset="2"/>
-              </a:rPr>
-              <a:t>lo  $s2; </a:t>
-            </a:r>
-          </a:p>
-          <a:p>
-            <a:r>
-              <a:rPr lang="en-US" dirty="0">
-                <a:sym typeface="Wingdings" panose="05000000000000000000" pitchFamily="2" charset="2"/>
-              </a:rPr>
-              <a:t>hi  $s3; </a:t>
-            </a:r>
-          </a:p>
-          <a:p>
-            <a:r>
-              <a:rPr lang="en-US" dirty="0">
-                <a:sym typeface="Wingdings" panose="05000000000000000000" pitchFamily="2" charset="2"/>
-              </a:rPr>
-              <a:t>mid  $s4; </a:t>
-            </a:r>
-          </a:p>
-          <a:p>
-            <a:r>
-              <a:rPr lang="en-US" dirty="0" err="1">
-                <a:sym typeface="Wingdings" panose="05000000000000000000" pitchFamily="2" charset="2"/>
-              </a:rPr>
-              <a:t>ans</a:t>
-            </a:r>
-            <a:r>
-              <a:rPr lang="en-US" dirty="0">
-                <a:sym typeface="Wingdings" panose="05000000000000000000" pitchFamily="2" charset="2"/>
-              </a:rPr>
-              <a:t>  $s5.</a:t>
-            </a:r>
-            <a:endParaRPr lang="en-SG" dirty="0"/>
-          </a:p>
-        </p:txBody>
-      </p:sp>
-      <p:graphicFrame>
-        <p:nvGraphicFramePr>
-          <p:cNvPr id="9" name="Table 8"/>
-          <p:cNvGraphicFramePr>
-            <a:graphicFrameLocks noGrp="1"/>
-          </p:cNvGraphicFramePr>
-          <p:nvPr/>
-        </p:nvGraphicFramePr>
-        <p:xfrm>
-          <a:off x="2189840" y="0"/>
-          <a:ext cx="8481404" cy="6507480"/>
-        </p:xfrm>
-        <a:graphic>
-          <a:graphicData uri="http://schemas.openxmlformats.org/drawingml/2006/table">
-            <a:tbl>
-              <a:tblPr firstRow="1" bandRow="1">
-                <a:tableStyleId>{5C22544A-7EE6-4342-B048-85BDC9FD1C3A}</a:tableStyleId>
-              </a:tblPr>
-              <a:tblGrid>
-                <a:gridCol w="5096177">
-                  <a:extLst>
-                    <a:ext uri="{9D8B030D-6E8A-4147-A177-3AD203B41FA5}">
-                      <a16:colId xmlns:a16="http://schemas.microsoft.com/office/drawing/2014/main" val="756095798"/>
-                    </a:ext>
-                  </a:extLst>
-                </a:gridCol>
-                <a:gridCol w="3385227">
-                  <a:extLst>
-                    <a:ext uri="{9D8B030D-6E8A-4147-A177-3AD203B41FA5}">
-                      <a16:colId xmlns:a16="http://schemas.microsoft.com/office/drawing/2014/main" val="2563876320"/>
-                    </a:ext>
-                  </a:extLst>
-                </a:gridCol>
-              </a:tblGrid>
-              <a:tr h="370840">
-                <a:tc>
-                  <a:txBody>
-                    <a:bodyPr/>
-                    <a:lstStyle/>
-                    <a:p>
-                      <a:r>
-                        <a:rPr lang="en-US" dirty="0"/>
-                        <a:t>MIPS code</a:t>
-                      </a:r>
-                      <a:endParaRPr lang="en-SG" dirty="0"/>
-                    </a:p>
-                  </a:txBody>
-                  <a:tcPr/>
-                </a:tc>
-                <a:tc>
-                  <a:txBody>
-                    <a:bodyPr/>
-                    <a:lstStyle/>
-                    <a:p>
-                      <a:r>
-                        <a:rPr lang="en-US" dirty="0"/>
-                        <a:t>Comment</a:t>
-                      </a:r>
-                      <a:endParaRPr lang="en-SG" dirty="0"/>
-                    </a:p>
-                  </a:txBody>
-                  <a:tcPr/>
-                </a:tc>
-                <a:extLst>
-                  <a:ext uri="{0D108BD9-81ED-4DB2-BD59-A6C34878D82A}">
-                    <a16:rowId xmlns:a16="http://schemas.microsoft.com/office/drawing/2014/main" val="507082637"/>
-                  </a:ext>
-                </a:extLst>
-              </a:tr>
-              <a:tr h="370840">
-                <a:tc>
-                  <a:txBody>
-                    <a:bodyPr/>
-                    <a:lstStyle/>
-                    <a:p>
-                      <a:r>
-                        <a:rPr lang="en-US" dirty="0">
-                          <a:solidFill>
-                            <a:srgbClr val="7030A0"/>
-                          </a:solidFill>
-                          <a:latin typeface="Lucida Console" panose="020B0609040504020204" pitchFamily="49" charset="0"/>
-                        </a:rPr>
-                        <a:t>loop:    </a:t>
-                      </a:r>
-                      <a:r>
-                        <a:rPr lang="en-US" dirty="0" err="1">
-                          <a:latin typeface="Lucida Console" panose="020B0609040504020204" pitchFamily="49" charset="0"/>
-                        </a:rPr>
-                        <a:t>slt</a:t>
-                      </a:r>
-                      <a:r>
-                        <a:rPr lang="en-US" dirty="0">
-                          <a:latin typeface="Lucida Console" panose="020B0609040504020204" pitchFamily="49" charset="0"/>
-                        </a:rPr>
-                        <a:t>  $t9, $s3,</a:t>
-                      </a:r>
-                      <a:r>
-                        <a:rPr lang="en-US" baseline="0" dirty="0">
-                          <a:latin typeface="Lucida Console" panose="020B0609040504020204" pitchFamily="49" charset="0"/>
-                        </a:rPr>
-                        <a:t> $s2</a:t>
-                      </a:r>
-                    </a:p>
-                    <a:p>
-                      <a:r>
-                        <a:rPr lang="en-US" baseline="0" dirty="0">
-                          <a:latin typeface="Lucida Console" panose="020B0609040504020204" pitchFamily="49" charset="0"/>
-                        </a:rPr>
-                        <a:t>         </a:t>
-                      </a:r>
-                      <a:r>
-                        <a:rPr lang="en-US" baseline="0" dirty="0" err="1">
-                          <a:latin typeface="Lucida Console" panose="020B0609040504020204" pitchFamily="49" charset="0"/>
-                        </a:rPr>
-                        <a:t>bne</a:t>
-                      </a:r>
-                      <a:r>
-                        <a:rPr lang="en-US" baseline="0" dirty="0">
-                          <a:latin typeface="Lucida Console" panose="020B0609040504020204" pitchFamily="49" charset="0"/>
-                        </a:rPr>
-                        <a:t>  $t9, $zero, </a:t>
-                      </a:r>
-                      <a:r>
-                        <a:rPr lang="en-US" baseline="0" dirty="0">
-                          <a:solidFill>
-                            <a:srgbClr val="7030A0"/>
-                          </a:solidFill>
-                          <a:latin typeface="Lucida Console" panose="020B0609040504020204" pitchFamily="49" charset="0"/>
-                        </a:rPr>
-                        <a:t>end</a:t>
-                      </a:r>
-                      <a:endParaRPr lang="en-SG" dirty="0">
-                        <a:solidFill>
-                          <a:srgbClr val="7030A0"/>
-                        </a:solidFill>
-                        <a:latin typeface="Lucida Console" panose="020B0609040504020204" pitchFamily="49" charset="0"/>
-                      </a:endParaRPr>
-                    </a:p>
-                  </a:txBody>
-                  <a:tcPr/>
-                </a:tc>
-                <a:tc>
-                  <a:txBody>
-                    <a:bodyPr/>
-                    <a:lstStyle/>
-                    <a:p>
-                      <a:r>
-                        <a:rPr lang="en-US" dirty="0"/>
-                        <a:t>#</a:t>
-                      </a:r>
-                      <a:r>
-                        <a:rPr lang="en-US" baseline="0" dirty="0"/>
-                        <a:t> while (lo &lt;= hi) {</a:t>
-                      </a:r>
-                      <a:endParaRPr lang="en-SG" dirty="0"/>
-                    </a:p>
-                  </a:txBody>
-                  <a:tcPr/>
-                </a:tc>
-                <a:extLst>
-                  <a:ext uri="{0D108BD9-81ED-4DB2-BD59-A6C34878D82A}">
-                    <a16:rowId xmlns:a16="http://schemas.microsoft.com/office/drawing/2014/main" val="2108565577"/>
-                  </a:ext>
-                </a:extLst>
-              </a:tr>
-              <a:tr h="370840">
-                <a:tc>
-                  <a:txBody>
-                    <a:bodyPr/>
-                    <a:lstStyle/>
-                    <a:p>
-                      <a:r>
-                        <a:rPr lang="en-US" dirty="0">
-                          <a:latin typeface="Lucida Console" panose="020B0609040504020204" pitchFamily="49" charset="0"/>
-                        </a:rPr>
-                        <a:t>         add  $s4,</a:t>
-                      </a:r>
-                      <a:r>
-                        <a:rPr lang="en-US" baseline="0" dirty="0">
-                          <a:latin typeface="Lucida Console" panose="020B0609040504020204" pitchFamily="49" charset="0"/>
-                        </a:rPr>
-                        <a:t> $s2, $s3</a:t>
-                      </a:r>
-                    </a:p>
-                    <a:p>
-                      <a:r>
-                        <a:rPr lang="en-US" dirty="0">
-                          <a:latin typeface="Lucida Console" panose="020B0609040504020204" pitchFamily="49" charset="0"/>
-                        </a:rPr>
-                        <a:t>       [                          ]</a:t>
-                      </a:r>
-                      <a:endParaRPr lang="en-SG" dirty="0">
-                        <a:latin typeface="Lucida Console" panose="020B0609040504020204" pitchFamily="49" charset="0"/>
-                      </a:endParaRPr>
-                    </a:p>
-                  </a:txBody>
-                  <a:tcPr/>
-                </a:tc>
-                <a:tc>
-                  <a:txBody>
-                    <a:bodyPr/>
-                    <a:lstStyle/>
-                    <a:p>
-                      <a:r>
-                        <a:rPr lang="en-US" dirty="0"/>
-                        <a:t># </a:t>
-                      </a:r>
-                      <a:r>
-                        <a:rPr lang="en-US" baseline="0" dirty="0"/>
-                        <a:t>     mid = (lo + hi)/2</a:t>
-                      </a:r>
-                      <a:endParaRPr lang="en-SG" dirty="0"/>
-                    </a:p>
-                  </a:txBody>
-                  <a:tcPr/>
-                </a:tc>
-                <a:extLst>
-                  <a:ext uri="{0D108BD9-81ED-4DB2-BD59-A6C34878D82A}">
-                    <a16:rowId xmlns:a16="http://schemas.microsoft.com/office/drawing/2014/main" val="3304595207"/>
-                  </a:ext>
-                </a:extLst>
-              </a:tr>
-              <a:tr h="370840">
-                <a:tc>
-                  <a:txBody>
-                    <a:bodyPr/>
-                    <a:lstStyle/>
-                    <a:p>
-                      <a:r>
-                        <a:rPr lang="en-US" dirty="0">
-                          <a:latin typeface="Lucida Console" panose="020B0609040504020204" pitchFamily="49" charset="0"/>
-                        </a:rPr>
-                        <a:t>         </a:t>
-                      </a:r>
-                      <a:r>
-                        <a:rPr lang="en-US" dirty="0" err="1">
-                          <a:latin typeface="Lucida Console" panose="020B0609040504020204" pitchFamily="49" charset="0"/>
-                        </a:rPr>
-                        <a:t>sll</a:t>
-                      </a:r>
-                      <a:r>
-                        <a:rPr lang="en-US" dirty="0">
-                          <a:latin typeface="Lucida Console" panose="020B0609040504020204" pitchFamily="49" charset="0"/>
-                        </a:rPr>
-                        <a:t>  $t0, $s4,</a:t>
-                      </a:r>
-                      <a:r>
-                        <a:rPr lang="en-US" baseline="0" dirty="0">
-                          <a:latin typeface="Lucida Console" panose="020B0609040504020204" pitchFamily="49" charset="0"/>
-                        </a:rPr>
-                        <a:t> 2</a:t>
-                      </a:r>
-                    </a:p>
-                    <a:p>
-                      <a:r>
-                        <a:rPr lang="en-US" baseline="0" dirty="0">
-                          <a:latin typeface="Lucida Console" panose="020B0609040504020204" pitchFamily="49" charset="0"/>
-                        </a:rPr>
-                        <a:t>         add  $t0, $s0, $t0</a:t>
-                      </a:r>
-                    </a:p>
-                    <a:p>
-                      <a:r>
-                        <a:rPr lang="en-US" baseline="0" dirty="0">
-                          <a:latin typeface="Lucida Console" panose="020B0609040504020204" pitchFamily="49" charset="0"/>
-                        </a:rPr>
-                        <a:t>       [                          ]</a:t>
-                      </a:r>
-                      <a:endParaRPr lang="en-SG" dirty="0">
-                        <a:latin typeface="Lucida Console" panose="020B0609040504020204" pitchFamily="49" charset="0"/>
-                      </a:endParaRPr>
-                    </a:p>
-                  </a:txBody>
-                  <a:tcPr/>
-                </a:tc>
-                <a:tc>
-                  <a:txBody>
-                    <a:bodyPr/>
-                    <a:lstStyle/>
-                    <a:p>
-                      <a:r>
-                        <a:rPr lang="en-US" dirty="0"/>
-                        <a:t>#</a:t>
-                      </a:r>
-                      <a:r>
-                        <a:rPr lang="en-US" baseline="0" dirty="0"/>
-                        <a:t>      t0 = mid*4</a:t>
-                      </a:r>
-                    </a:p>
-                    <a:p>
-                      <a:r>
-                        <a:rPr lang="en-US" baseline="0" dirty="0"/>
-                        <a:t>#      t0 = &amp;array[mid] in bytes</a:t>
-                      </a:r>
-                    </a:p>
-                    <a:p>
-                      <a:r>
-                        <a:rPr lang="en-US" baseline="0" dirty="0"/>
-                        <a:t>#      t1 = array[mid]</a:t>
-                      </a:r>
-                      <a:endParaRPr lang="en-SG" dirty="0"/>
-                    </a:p>
-                  </a:txBody>
-                  <a:tcPr/>
-                </a:tc>
-                <a:extLst>
-                  <a:ext uri="{0D108BD9-81ED-4DB2-BD59-A6C34878D82A}">
-                    <a16:rowId xmlns:a16="http://schemas.microsoft.com/office/drawing/2014/main" val="4273099423"/>
-                  </a:ext>
-                </a:extLst>
-              </a:tr>
-              <a:tr h="370840">
-                <a:tc>
-                  <a:txBody>
-                    <a:bodyPr/>
-                    <a:lstStyle/>
-                    <a:p>
-                      <a:r>
-                        <a:rPr lang="en-US" dirty="0">
-                          <a:latin typeface="Lucida Console" panose="020B0609040504020204" pitchFamily="49" charset="0"/>
-                        </a:rPr>
-                        <a:t>         </a:t>
-                      </a:r>
-                      <a:r>
-                        <a:rPr lang="en-US" dirty="0" err="1">
-                          <a:latin typeface="Lucida Console" panose="020B0609040504020204" pitchFamily="49" charset="0"/>
-                        </a:rPr>
-                        <a:t>slt</a:t>
-                      </a:r>
-                      <a:r>
-                        <a:rPr lang="en-US" baseline="0" dirty="0">
-                          <a:latin typeface="Lucida Console" panose="020B0609040504020204" pitchFamily="49" charset="0"/>
-                        </a:rPr>
-                        <a:t>  $t9, $s1, $t1</a:t>
-                      </a:r>
-                    </a:p>
-                    <a:p>
-                      <a:r>
-                        <a:rPr lang="en-US" baseline="0" dirty="0">
-                          <a:latin typeface="Lucida Console" panose="020B0609040504020204" pitchFamily="49" charset="0"/>
-                        </a:rPr>
-                        <a:t>         </a:t>
-                      </a:r>
-                      <a:r>
-                        <a:rPr lang="en-US" baseline="0" dirty="0" err="1">
-                          <a:latin typeface="Lucida Console" panose="020B0609040504020204" pitchFamily="49" charset="0"/>
-                        </a:rPr>
-                        <a:t>beq</a:t>
-                      </a:r>
-                      <a:r>
-                        <a:rPr lang="en-US" baseline="0" dirty="0">
-                          <a:latin typeface="Lucida Console" panose="020B0609040504020204" pitchFamily="49" charset="0"/>
-                        </a:rPr>
-                        <a:t>  $t9, $zero, </a:t>
-                      </a:r>
-                      <a:r>
-                        <a:rPr lang="en-US" baseline="0" dirty="0">
-                          <a:solidFill>
-                            <a:srgbClr val="7030A0"/>
-                          </a:solidFill>
-                          <a:latin typeface="Lucida Console" panose="020B0609040504020204" pitchFamily="49" charset="0"/>
-                        </a:rPr>
-                        <a:t>bigger</a:t>
-                      </a:r>
-                      <a:endParaRPr lang="en-SG" dirty="0">
-                        <a:solidFill>
-                          <a:srgbClr val="7030A0"/>
-                        </a:solidFill>
-                        <a:latin typeface="Lucida Console" panose="020B0609040504020204" pitchFamily="49" charset="0"/>
-                      </a:endParaRPr>
-                    </a:p>
-                  </a:txBody>
-                  <a:tcPr/>
-                </a:tc>
-                <a:tc>
-                  <a:txBody>
-                    <a:bodyPr/>
-                    <a:lstStyle/>
-                    <a:p>
-                      <a:r>
-                        <a:rPr lang="en-US" dirty="0"/>
-                        <a:t>#      if (target &lt; array[mid])</a:t>
-                      </a:r>
-                      <a:endParaRPr lang="en-SG" dirty="0"/>
-                    </a:p>
-                  </a:txBody>
-                  <a:tcPr/>
-                </a:tc>
-                <a:extLst>
-                  <a:ext uri="{0D108BD9-81ED-4DB2-BD59-A6C34878D82A}">
-                    <a16:rowId xmlns:a16="http://schemas.microsoft.com/office/drawing/2014/main" val="4115566954"/>
-                  </a:ext>
-                </a:extLst>
-              </a:tr>
-              <a:tr h="370840">
-                <a:tc>
-                  <a:txBody>
-                    <a:bodyPr/>
-                    <a:lstStyle/>
-                    <a:p>
-                      <a:r>
-                        <a:rPr lang="en-US" dirty="0">
-                          <a:latin typeface="Lucida Console" panose="020B0609040504020204" pitchFamily="49" charset="0"/>
-                        </a:rPr>
-                        <a:t>         </a:t>
-                      </a:r>
-                      <a:r>
-                        <a:rPr lang="en-US" dirty="0" err="1">
-                          <a:latin typeface="Lucida Console" panose="020B0609040504020204" pitchFamily="49" charset="0"/>
-                        </a:rPr>
-                        <a:t>addi</a:t>
-                      </a:r>
-                      <a:r>
-                        <a:rPr lang="en-US" dirty="0">
-                          <a:latin typeface="Lucida Console" panose="020B0609040504020204" pitchFamily="49" charset="0"/>
-                        </a:rPr>
-                        <a:t> $s3,</a:t>
-                      </a:r>
-                      <a:r>
-                        <a:rPr lang="en-US" baseline="0" dirty="0">
-                          <a:latin typeface="Lucida Console" panose="020B0609040504020204" pitchFamily="49" charset="0"/>
-                        </a:rPr>
-                        <a:t> $s4, -1</a:t>
-                      </a:r>
-                    </a:p>
-                    <a:p>
-                      <a:r>
-                        <a:rPr lang="en-US" baseline="0" dirty="0">
-                          <a:latin typeface="Lucida Console" panose="020B0609040504020204" pitchFamily="49" charset="0"/>
-                        </a:rPr>
-                        <a:t>         j    </a:t>
-                      </a:r>
-                      <a:r>
-                        <a:rPr lang="en-US" baseline="0" dirty="0" err="1">
-                          <a:solidFill>
-                            <a:srgbClr val="7030A0"/>
-                          </a:solidFill>
-                          <a:latin typeface="Lucida Console" panose="020B0609040504020204" pitchFamily="49" charset="0"/>
-                        </a:rPr>
-                        <a:t>lpEnd</a:t>
-                      </a:r>
-                      <a:endParaRPr lang="en-SG" dirty="0">
-                        <a:solidFill>
-                          <a:srgbClr val="7030A0"/>
-                        </a:solidFill>
-                        <a:latin typeface="Lucida Console" panose="020B0609040504020204" pitchFamily="49" charset="0"/>
-                      </a:endParaRPr>
-                    </a:p>
-                  </a:txBody>
-                  <a:tcPr/>
-                </a:tc>
-                <a:tc>
-                  <a:txBody>
-                    <a:bodyPr/>
-                    <a:lstStyle/>
-                    <a:p>
-                      <a:r>
-                        <a:rPr lang="en-US" dirty="0"/>
-                        <a:t>#             hi = mid</a:t>
-                      </a:r>
-                      <a:r>
-                        <a:rPr lang="en-US" baseline="0" dirty="0"/>
-                        <a:t> – 1</a:t>
-                      </a:r>
-                      <a:endParaRPr lang="en-SG" dirty="0"/>
-                    </a:p>
-                  </a:txBody>
-                  <a:tcPr/>
-                </a:tc>
-                <a:extLst>
-                  <a:ext uri="{0D108BD9-81ED-4DB2-BD59-A6C34878D82A}">
-                    <a16:rowId xmlns:a16="http://schemas.microsoft.com/office/drawing/2014/main" val="88710001"/>
-                  </a:ext>
-                </a:extLst>
-              </a:tr>
-              <a:tr h="370840">
-                <a:tc>
-                  <a:txBody>
-                    <a:bodyPr/>
-                    <a:lstStyle/>
-                    <a:p>
-                      <a:r>
-                        <a:rPr lang="en-US" dirty="0">
-                          <a:solidFill>
-                            <a:srgbClr val="7030A0"/>
-                          </a:solidFill>
-                          <a:latin typeface="Lucida Console" panose="020B0609040504020204" pitchFamily="49" charset="0"/>
-                        </a:rPr>
-                        <a:t>bigger:</a:t>
-                      </a:r>
-                      <a:r>
-                        <a:rPr lang="en-US" dirty="0">
-                          <a:latin typeface="Lucida Console" panose="020B0609040504020204" pitchFamily="49" charset="0"/>
-                        </a:rPr>
-                        <a:t>[                         ]</a:t>
-                      </a:r>
-                    </a:p>
-                    <a:p>
-                      <a:r>
-                        <a:rPr lang="en-US" dirty="0">
-                          <a:latin typeface="Lucida Console" panose="020B0609040504020204" pitchFamily="49" charset="0"/>
-                        </a:rPr>
-                        <a:t>       [</a:t>
-                      </a:r>
-                      <a:r>
-                        <a:rPr lang="en-US" baseline="0" dirty="0">
-                          <a:latin typeface="Lucida Console" panose="020B0609040504020204" pitchFamily="49" charset="0"/>
-                        </a:rPr>
-                        <a:t>                         ]</a:t>
-                      </a:r>
-                      <a:endParaRPr lang="en-SG" dirty="0">
-                        <a:latin typeface="Lucida Console" panose="020B0609040504020204" pitchFamily="49" charset="0"/>
-                      </a:endParaRPr>
-                    </a:p>
-                  </a:txBody>
-                  <a:tcPr/>
-                </a:tc>
-                <a:tc>
-                  <a:txBody>
-                    <a:bodyPr/>
-                    <a:lstStyle/>
-                    <a:p>
-                      <a:r>
-                        <a:rPr lang="en-US" dirty="0"/>
-                        <a:t>#       else</a:t>
-                      </a:r>
-                      <a:r>
-                        <a:rPr lang="en-US" baseline="0" dirty="0"/>
-                        <a:t> if (target &gt; array[mid])</a:t>
-                      </a:r>
-                      <a:endParaRPr lang="en-SG" dirty="0"/>
-                    </a:p>
-                  </a:txBody>
-                  <a:tcPr/>
-                </a:tc>
-                <a:extLst>
-                  <a:ext uri="{0D108BD9-81ED-4DB2-BD59-A6C34878D82A}">
-                    <a16:rowId xmlns:a16="http://schemas.microsoft.com/office/drawing/2014/main" val="312960393"/>
-                  </a:ext>
-                </a:extLst>
-              </a:tr>
-              <a:tr h="370840">
-                <a:tc>
-                  <a:txBody>
-                    <a:bodyPr/>
-                    <a:lstStyle/>
-                    <a:p>
-                      <a:r>
-                        <a:rPr lang="en-US" dirty="0">
-                          <a:latin typeface="Lucida Console" panose="020B0609040504020204" pitchFamily="49" charset="0"/>
-                        </a:rPr>
-                        <a:t>         </a:t>
-                      </a:r>
-                      <a:r>
-                        <a:rPr lang="en-US" dirty="0" err="1">
-                          <a:latin typeface="Lucida Console" panose="020B0609040504020204" pitchFamily="49" charset="0"/>
-                        </a:rPr>
-                        <a:t>addi</a:t>
-                      </a:r>
-                      <a:r>
-                        <a:rPr lang="en-US" baseline="0" dirty="0">
-                          <a:latin typeface="Lucida Console" panose="020B0609040504020204" pitchFamily="49" charset="0"/>
-                        </a:rPr>
-                        <a:t> $s2, $s4, 1</a:t>
-                      </a:r>
-                    </a:p>
-                    <a:p>
-                      <a:r>
-                        <a:rPr lang="en-US" baseline="0" dirty="0">
-                          <a:latin typeface="Lucida Console" panose="020B0609040504020204" pitchFamily="49" charset="0"/>
-                        </a:rPr>
-                        <a:t>         j    </a:t>
-                      </a:r>
-                      <a:r>
-                        <a:rPr lang="en-US" baseline="0" dirty="0" err="1">
-                          <a:solidFill>
-                            <a:srgbClr val="7030A0"/>
-                          </a:solidFill>
-                          <a:latin typeface="Lucida Console" panose="020B0609040504020204" pitchFamily="49" charset="0"/>
-                        </a:rPr>
-                        <a:t>lpEnd</a:t>
-                      </a:r>
-                      <a:r>
-                        <a:rPr lang="en-US" baseline="0" dirty="0">
-                          <a:solidFill>
-                            <a:srgbClr val="7030A0"/>
-                          </a:solidFill>
-                          <a:latin typeface="Lucida Console" panose="020B0609040504020204" pitchFamily="49" charset="0"/>
-                        </a:rPr>
-                        <a:t>;</a:t>
-                      </a:r>
-                      <a:endParaRPr lang="en-SG" dirty="0">
-                        <a:solidFill>
-                          <a:srgbClr val="7030A0"/>
-                        </a:solidFill>
-                        <a:latin typeface="Lucida Console" panose="020B0609040504020204" pitchFamily="49" charset="0"/>
-                      </a:endParaRPr>
-                    </a:p>
-                  </a:txBody>
-                  <a:tcPr/>
-                </a:tc>
-                <a:tc>
-                  <a:txBody>
-                    <a:bodyPr/>
-                    <a:lstStyle/>
-                    <a:p>
-                      <a:r>
-                        <a:rPr lang="en-US" dirty="0"/>
-                        <a:t>#            lo = mid + 1</a:t>
-                      </a:r>
-                      <a:endParaRPr lang="en-SG" dirty="0"/>
-                    </a:p>
-                  </a:txBody>
-                  <a:tcPr/>
-                </a:tc>
-                <a:extLst>
-                  <a:ext uri="{0D108BD9-81ED-4DB2-BD59-A6C34878D82A}">
-                    <a16:rowId xmlns:a16="http://schemas.microsoft.com/office/drawing/2014/main" val="3819998"/>
-                  </a:ext>
-                </a:extLst>
-              </a:tr>
-              <a:tr h="370840">
-                <a:tc>
-                  <a:txBody>
-                    <a:bodyPr/>
-                    <a:lstStyle/>
-                    <a:p>
-                      <a:r>
-                        <a:rPr lang="en-US" dirty="0">
-                          <a:solidFill>
-                            <a:srgbClr val="7030A0"/>
-                          </a:solidFill>
-                          <a:latin typeface="Lucida Console" panose="020B0609040504020204" pitchFamily="49" charset="0"/>
-                        </a:rPr>
-                        <a:t>equal:   </a:t>
-                      </a:r>
-                      <a:r>
-                        <a:rPr lang="en-US" dirty="0">
-                          <a:latin typeface="Lucida Console" panose="020B0609040504020204" pitchFamily="49" charset="0"/>
-                        </a:rPr>
-                        <a:t>add</a:t>
-                      </a:r>
-                      <a:r>
-                        <a:rPr lang="en-US" baseline="0" dirty="0">
-                          <a:latin typeface="Lucida Console" panose="020B0609040504020204" pitchFamily="49" charset="0"/>
-                        </a:rPr>
-                        <a:t>  $s5, $s4, $zero</a:t>
-                      </a:r>
-                    </a:p>
-                    <a:p>
-                      <a:r>
-                        <a:rPr lang="en-US" baseline="0" dirty="0">
-                          <a:latin typeface="Lucida Console" panose="020B0609040504020204" pitchFamily="49" charset="0"/>
-                        </a:rPr>
-                        <a:t>       [                         ]</a:t>
-                      </a:r>
-                      <a:endParaRPr lang="en-SG" dirty="0">
-                        <a:latin typeface="Lucida Console" panose="020B0609040504020204" pitchFamily="49" charset="0"/>
-                      </a:endParaRPr>
-                    </a:p>
-                  </a:txBody>
-                  <a:tcPr/>
-                </a:tc>
-                <a:tc>
-                  <a:txBody>
-                    <a:bodyPr/>
-                    <a:lstStyle/>
-                    <a:p>
-                      <a:r>
-                        <a:rPr lang="en-US" dirty="0"/>
-                        <a:t>#</a:t>
-                      </a:r>
-                      <a:r>
-                        <a:rPr lang="en-US" baseline="0" dirty="0"/>
-                        <a:t>      else {  </a:t>
-                      </a:r>
-                      <a:r>
-                        <a:rPr lang="en-US" baseline="0" dirty="0" err="1"/>
-                        <a:t>ans</a:t>
-                      </a:r>
-                      <a:r>
-                        <a:rPr lang="en-US" baseline="0" dirty="0"/>
-                        <a:t> = mid; break; }</a:t>
-                      </a:r>
-                    </a:p>
-                    <a:p>
-                      <a:r>
-                        <a:rPr lang="en-SG" baseline="0" dirty="0"/>
-                        <a:t> </a:t>
-                      </a:r>
-                      <a:endParaRPr lang="en-US" baseline="0" dirty="0"/>
-                    </a:p>
-                  </a:txBody>
-                  <a:tcPr/>
-                </a:tc>
-                <a:extLst>
-                  <a:ext uri="{0D108BD9-81ED-4DB2-BD59-A6C34878D82A}">
-                    <a16:rowId xmlns:a16="http://schemas.microsoft.com/office/drawing/2014/main" val="2929211152"/>
-                  </a:ext>
-                </a:extLst>
-              </a:tr>
-              <a:tr h="370840">
-                <a:tc>
-                  <a:txBody>
-                    <a:bodyPr/>
-                    <a:lstStyle/>
-                    <a:p>
-                      <a:r>
-                        <a:rPr lang="en-US" dirty="0" err="1">
-                          <a:solidFill>
-                            <a:srgbClr val="7030A0"/>
-                          </a:solidFill>
-                          <a:latin typeface="Lucida Console" panose="020B0609040504020204" pitchFamily="49" charset="0"/>
-                        </a:rPr>
-                        <a:t>lpEnd</a:t>
-                      </a:r>
-                      <a:r>
-                        <a:rPr lang="en-US" dirty="0">
-                          <a:solidFill>
-                            <a:srgbClr val="7030A0"/>
-                          </a:solidFill>
-                          <a:latin typeface="Lucida Console" panose="020B0609040504020204" pitchFamily="49" charset="0"/>
-                        </a:rPr>
-                        <a:t>:</a:t>
-                      </a:r>
-                      <a:r>
-                        <a:rPr lang="en-US" baseline="0" dirty="0">
-                          <a:solidFill>
-                            <a:srgbClr val="7030A0"/>
-                          </a:solidFill>
-                          <a:latin typeface="Lucida Console" panose="020B0609040504020204" pitchFamily="49" charset="0"/>
-                        </a:rPr>
-                        <a:t> </a:t>
-                      </a:r>
-                      <a:r>
-                        <a:rPr lang="en-US" baseline="0" dirty="0">
-                          <a:latin typeface="Lucida Console" panose="020B0609040504020204" pitchFamily="49" charset="0"/>
-                        </a:rPr>
-                        <a:t>[                         ]</a:t>
-                      </a:r>
-                      <a:endParaRPr lang="en-SG" dirty="0">
-                        <a:latin typeface="Lucida Console" panose="020B0609040504020204" pitchFamily="49" charset="0"/>
-                      </a:endParaRPr>
-                    </a:p>
-                  </a:txBody>
-                  <a:tcPr/>
-                </a:tc>
-                <a:tc>
-                  <a:txBody>
-                    <a:bodyPr/>
-                    <a:lstStyle/>
-                    <a:p>
-                      <a:r>
-                        <a:rPr lang="en-US" baseline="0" dirty="0"/>
-                        <a:t>#} // end of while loop</a:t>
-                      </a:r>
-                    </a:p>
-                  </a:txBody>
-                  <a:tcPr/>
-                </a:tc>
-                <a:extLst>
-                  <a:ext uri="{0D108BD9-81ED-4DB2-BD59-A6C34878D82A}">
-                    <a16:rowId xmlns:a16="http://schemas.microsoft.com/office/drawing/2014/main" val="1597943046"/>
-                  </a:ext>
-                </a:extLst>
-              </a:tr>
-              <a:tr h="370840">
-                <a:tc>
-                  <a:txBody>
-                    <a:bodyPr/>
-                    <a:lstStyle/>
-                    <a:p>
-                      <a:r>
-                        <a:rPr lang="en-US" dirty="0">
-                          <a:solidFill>
-                            <a:srgbClr val="7030A0"/>
-                          </a:solidFill>
-                          <a:latin typeface="Lucida Console" panose="020B0609040504020204" pitchFamily="49" charset="0"/>
-                        </a:rPr>
-                        <a:t>end:</a:t>
-                      </a:r>
-                      <a:endParaRPr lang="en-SG" dirty="0">
-                        <a:solidFill>
-                          <a:srgbClr val="7030A0"/>
-                        </a:solidFill>
-                        <a:latin typeface="Lucida Console" panose="020B0609040504020204" pitchFamily="49" charset="0"/>
-                      </a:endParaRPr>
-                    </a:p>
-                  </a:txBody>
-                  <a:tcPr/>
-                </a:tc>
-                <a:tc>
-                  <a:txBody>
-                    <a:bodyPr/>
-                    <a:lstStyle/>
-                    <a:p>
-                      <a:endParaRPr lang="en-US" baseline="0" dirty="0"/>
-                    </a:p>
-                  </a:txBody>
-                  <a:tcPr/>
-                </a:tc>
-                <a:extLst>
-                  <a:ext uri="{0D108BD9-81ED-4DB2-BD59-A6C34878D82A}">
-                    <a16:rowId xmlns:a16="http://schemas.microsoft.com/office/drawing/2014/main" val="2672614199"/>
-                  </a:ext>
-                </a:extLst>
-              </a:tr>
-            </a:tbl>
-          </a:graphicData>
-        </a:graphic>
-      </p:graphicFrame>
     </p:spTree>
     <p:extLst>
       <p:ext uri="{BB962C8B-B14F-4D97-AF65-F5344CB8AC3E}">
-        <p14:creationId xmlns:p14="http://schemas.microsoft.com/office/powerpoint/2010/main" val="1947964891"/>
+        <p14:creationId xmlns:p14="http://schemas.microsoft.com/office/powerpoint/2010/main" val="1178500658"/>
       </p:ext>
     </p:extLst>
   </p:cSld>
@@ -29406,6 +28567,1079 @@
                 </a:solidFill>
               </a:rPr>
               <a:t>35</a:t>
+            </a:fld>
+            <a:endParaRPr lang="en-SG" sz="1600" b="1" dirty="0">
+              <a:solidFill>
+                <a:schemeClr val="tx1"/>
+              </a:solidFill>
+            </a:endParaRPr>
+          </a:p>
+        </p:txBody>
+      </p:sp>
+      <p:sp>
+        <p:nvSpPr>
+          <p:cNvPr id="7" name="TextBox 6">
+            <a:extLst>
+              <a:ext uri="{FF2B5EF4-FFF2-40B4-BE49-F238E27FC236}">
+                <a16:creationId xmlns:a16="http://schemas.microsoft.com/office/drawing/2014/main" id="{59B8F6E8-CDB0-44C2-85CF-7F25BEECC6EA}"/>
+              </a:ext>
+            </a:extLst>
+          </p:cNvPr>
+          <p:cNvSpPr txBox="1"/>
+          <p:nvPr/>
+        </p:nvSpPr>
+        <p:spPr>
+          <a:xfrm>
+            <a:off x="119513" y="57069"/>
+            <a:ext cx="1039436" cy="523220"/>
+          </a:xfrm>
+          <a:prstGeom prst="rect">
+            <a:avLst/>
+          </a:prstGeom>
+          <a:noFill/>
+        </p:spPr>
+        <p:txBody>
+          <a:bodyPr wrap="square" rtlCol="0">
+            <a:spAutoFit/>
+          </a:bodyPr>
+          <a:lstStyle/>
+          <a:p>
+            <a:pPr algn="ctr"/>
+            <a:r>
+              <a:rPr lang="en-SG" sz="2800" dirty="0">
+                <a:solidFill>
+                  <a:srgbClr val="C00000"/>
+                </a:solidFill>
+              </a:rPr>
+              <a:t>Q3</a:t>
+            </a:r>
+            <a:r>
+              <a:rPr lang="en-SG" sz="2800" dirty="0"/>
+              <a:t>(a)</a:t>
+            </a:r>
+          </a:p>
+        </p:txBody>
+      </p:sp>
+      <p:sp>
+        <p:nvSpPr>
+          <p:cNvPr id="8" name="TextBox 7">
+            <a:extLst>
+              <a:ext uri="{FF2B5EF4-FFF2-40B4-BE49-F238E27FC236}">
+                <a16:creationId xmlns:a16="http://schemas.microsoft.com/office/drawing/2014/main" id="{0E814333-7305-4818-ACBD-F1871C2024CD}"/>
+              </a:ext>
+            </a:extLst>
+          </p:cNvPr>
+          <p:cNvSpPr txBox="1"/>
+          <p:nvPr/>
+        </p:nvSpPr>
+        <p:spPr>
+          <a:xfrm>
+            <a:off x="235699" y="580289"/>
+            <a:ext cx="1281904" cy="830997"/>
+          </a:xfrm>
+          <a:prstGeom prst="rect">
+            <a:avLst/>
+          </a:prstGeom>
+          <a:noFill/>
+        </p:spPr>
+        <p:txBody>
+          <a:bodyPr wrap="square" rtlCol="0">
+            <a:spAutoFit/>
+          </a:bodyPr>
+          <a:lstStyle/>
+          <a:p>
+            <a:r>
+              <a:rPr lang="en-SG" sz="2400" dirty="0">
+                <a:solidFill>
+                  <a:srgbClr val="0000FF"/>
+                </a:solidFill>
+              </a:rPr>
+              <a:t>Binary search</a:t>
+            </a:r>
+            <a:endParaRPr lang="en-SG" dirty="0">
+              <a:solidFill>
+                <a:srgbClr val="0000FF"/>
+              </a:solidFill>
+            </a:endParaRPr>
+          </a:p>
+        </p:txBody>
+      </p:sp>
+      <p:sp>
+        <p:nvSpPr>
+          <p:cNvPr id="2" name="TextBox 1"/>
+          <p:cNvSpPr txBox="1"/>
+          <p:nvPr/>
+        </p:nvSpPr>
+        <p:spPr>
+          <a:xfrm>
+            <a:off x="235699" y="1489379"/>
+            <a:ext cx="1728742" cy="2585323"/>
+          </a:xfrm>
+          <a:prstGeom prst="rect">
+            <a:avLst/>
+          </a:prstGeom>
+          <a:noFill/>
+        </p:spPr>
+        <p:txBody>
+          <a:bodyPr wrap="square" rtlCol="0">
+            <a:spAutoFit/>
+          </a:bodyPr>
+          <a:lstStyle/>
+          <a:p>
+            <a:r>
+              <a:rPr lang="en-US" b="1" dirty="0"/>
+              <a:t>Variable </a:t>
+            </a:r>
+          </a:p>
+          <a:p>
+            <a:r>
+              <a:rPr lang="en-US" b="1" dirty="0"/>
+              <a:t>mappings:</a:t>
+            </a:r>
+            <a:r>
+              <a:rPr lang="en-US" dirty="0"/>
+              <a:t> </a:t>
+            </a:r>
+          </a:p>
+          <a:p>
+            <a:r>
+              <a:rPr lang="en-US" dirty="0" err="1"/>
+              <a:t>addr</a:t>
+            </a:r>
+            <a:r>
+              <a:rPr lang="en-US" dirty="0"/>
+              <a:t>. of </a:t>
+            </a:r>
+          </a:p>
+          <a:p>
+            <a:r>
+              <a:rPr lang="en-US" dirty="0"/>
+              <a:t>array[0] </a:t>
+            </a:r>
+            <a:r>
+              <a:rPr lang="en-US" dirty="0">
+                <a:sym typeface="Wingdings" panose="05000000000000000000" pitchFamily="2" charset="2"/>
+              </a:rPr>
+              <a:t> $s0; </a:t>
+            </a:r>
+          </a:p>
+          <a:p>
+            <a:r>
+              <a:rPr lang="en-US" dirty="0">
+                <a:sym typeface="Wingdings" panose="05000000000000000000" pitchFamily="2" charset="2"/>
+              </a:rPr>
+              <a:t>target  $s1;</a:t>
+            </a:r>
+          </a:p>
+          <a:p>
+            <a:r>
+              <a:rPr lang="en-US" dirty="0">
+                <a:sym typeface="Wingdings" panose="05000000000000000000" pitchFamily="2" charset="2"/>
+              </a:rPr>
+              <a:t>lo  $s2; </a:t>
+            </a:r>
+          </a:p>
+          <a:p>
+            <a:r>
+              <a:rPr lang="en-US" dirty="0">
+                <a:sym typeface="Wingdings" panose="05000000000000000000" pitchFamily="2" charset="2"/>
+              </a:rPr>
+              <a:t>hi  $s3; </a:t>
+            </a:r>
+          </a:p>
+          <a:p>
+            <a:r>
+              <a:rPr lang="en-US" dirty="0">
+                <a:sym typeface="Wingdings" panose="05000000000000000000" pitchFamily="2" charset="2"/>
+              </a:rPr>
+              <a:t>mid  $s4; </a:t>
+            </a:r>
+          </a:p>
+          <a:p>
+            <a:r>
+              <a:rPr lang="en-US" dirty="0" err="1">
+                <a:sym typeface="Wingdings" panose="05000000000000000000" pitchFamily="2" charset="2"/>
+              </a:rPr>
+              <a:t>ans</a:t>
+            </a:r>
+            <a:r>
+              <a:rPr lang="en-US" dirty="0">
+                <a:sym typeface="Wingdings" panose="05000000000000000000" pitchFamily="2" charset="2"/>
+              </a:rPr>
+              <a:t>  $s5.</a:t>
+            </a:r>
+            <a:endParaRPr lang="en-SG" dirty="0"/>
+          </a:p>
+        </p:txBody>
+      </p:sp>
+      <p:graphicFrame>
+        <p:nvGraphicFramePr>
+          <p:cNvPr id="9" name="Table 8"/>
+          <p:cNvGraphicFramePr>
+            <a:graphicFrameLocks noGrp="1"/>
+          </p:cNvGraphicFramePr>
+          <p:nvPr/>
+        </p:nvGraphicFramePr>
+        <p:xfrm>
+          <a:off x="2189840" y="0"/>
+          <a:ext cx="8481404" cy="6507480"/>
+        </p:xfrm>
+        <a:graphic>
+          <a:graphicData uri="http://schemas.openxmlformats.org/drawingml/2006/table">
+            <a:tbl>
+              <a:tblPr firstRow="1" bandRow="1">
+                <a:tableStyleId>{5C22544A-7EE6-4342-B048-85BDC9FD1C3A}</a:tableStyleId>
+              </a:tblPr>
+              <a:tblGrid>
+                <a:gridCol w="5096177">
+                  <a:extLst>
+                    <a:ext uri="{9D8B030D-6E8A-4147-A177-3AD203B41FA5}">
+                      <a16:colId xmlns:a16="http://schemas.microsoft.com/office/drawing/2014/main" val="756095798"/>
+                    </a:ext>
+                  </a:extLst>
+                </a:gridCol>
+                <a:gridCol w="3385227">
+                  <a:extLst>
+                    <a:ext uri="{9D8B030D-6E8A-4147-A177-3AD203B41FA5}">
+                      <a16:colId xmlns:a16="http://schemas.microsoft.com/office/drawing/2014/main" val="2563876320"/>
+                    </a:ext>
+                  </a:extLst>
+                </a:gridCol>
+              </a:tblGrid>
+              <a:tr h="370840">
+                <a:tc>
+                  <a:txBody>
+                    <a:bodyPr/>
+                    <a:lstStyle/>
+                    <a:p>
+                      <a:r>
+                        <a:rPr lang="en-US" dirty="0"/>
+                        <a:t>MIPS code</a:t>
+                      </a:r>
+                      <a:endParaRPr lang="en-SG" dirty="0"/>
+                    </a:p>
+                  </a:txBody>
+                  <a:tcPr/>
+                </a:tc>
+                <a:tc>
+                  <a:txBody>
+                    <a:bodyPr/>
+                    <a:lstStyle/>
+                    <a:p>
+                      <a:r>
+                        <a:rPr lang="en-US" dirty="0"/>
+                        <a:t>Comment</a:t>
+                      </a:r>
+                      <a:endParaRPr lang="en-SG" dirty="0"/>
+                    </a:p>
+                  </a:txBody>
+                  <a:tcPr/>
+                </a:tc>
+                <a:extLst>
+                  <a:ext uri="{0D108BD9-81ED-4DB2-BD59-A6C34878D82A}">
+                    <a16:rowId xmlns:a16="http://schemas.microsoft.com/office/drawing/2014/main" val="507082637"/>
+                  </a:ext>
+                </a:extLst>
+              </a:tr>
+              <a:tr h="370840">
+                <a:tc>
+                  <a:txBody>
+                    <a:bodyPr/>
+                    <a:lstStyle/>
+                    <a:p>
+                      <a:r>
+                        <a:rPr lang="en-US" dirty="0">
+                          <a:solidFill>
+                            <a:srgbClr val="7030A0"/>
+                          </a:solidFill>
+                          <a:latin typeface="Lucida Console" panose="020B0609040504020204" pitchFamily="49" charset="0"/>
+                        </a:rPr>
+                        <a:t>loop:    </a:t>
+                      </a:r>
+                      <a:r>
+                        <a:rPr lang="en-US" dirty="0" err="1">
+                          <a:latin typeface="Lucida Console" panose="020B0609040504020204" pitchFamily="49" charset="0"/>
+                        </a:rPr>
+                        <a:t>slt</a:t>
+                      </a:r>
+                      <a:r>
+                        <a:rPr lang="en-US" dirty="0">
+                          <a:latin typeface="Lucida Console" panose="020B0609040504020204" pitchFamily="49" charset="0"/>
+                        </a:rPr>
+                        <a:t>  $t9, $s3,</a:t>
+                      </a:r>
+                      <a:r>
+                        <a:rPr lang="en-US" baseline="0" dirty="0">
+                          <a:latin typeface="Lucida Console" panose="020B0609040504020204" pitchFamily="49" charset="0"/>
+                        </a:rPr>
+                        <a:t> $s2</a:t>
+                      </a:r>
+                    </a:p>
+                    <a:p>
+                      <a:r>
+                        <a:rPr lang="en-US" baseline="0" dirty="0">
+                          <a:latin typeface="Lucida Console" panose="020B0609040504020204" pitchFamily="49" charset="0"/>
+                        </a:rPr>
+                        <a:t>         </a:t>
+                      </a:r>
+                      <a:r>
+                        <a:rPr lang="en-US" baseline="0" dirty="0" err="1">
+                          <a:latin typeface="Lucida Console" panose="020B0609040504020204" pitchFamily="49" charset="0"/>
+                        </a:rPr>
+                        <a:t>bne</a:t>
+                      </a:r>
+                      <a:r>
+                        <a:rPr lang="en-US" baseline="0" dirty="0">
+                          <a:latin typeface="Lucida Console" panose="020B0609040504020204" pitchFamily="49" charset="0"/>
+                        </a:rPr>
+                        <a:t>  $t9, $zero, </a:t>
+                      </a:r>
+                      <a:r>
+                        <a:rPr lang="en-US" baseline="0" dirty="0">
+                          <a:solidFill>
+                            <a:srgbClr val="7030A0"/>
+                          </a:solidFill>
+                          <a:latin typeface="Lucida Console" panose="020B0609040504020204" pitchFamily="49" charset="0"/>
+                        </a:rPr>
+                        <a:t>end</a:t>
+                      </a:r>
+                      <a:endParaRPr lang="en-SG" dirty="0">
+                        <a:solidFill>
+                          <a:srgbClr val="7030A0"/>
+                        </a:solidFill>
+                        <a:latin typeface="Lucida Console" panose="020B0609040504020204" pitchFamily="49" charset="0"/>
+                      </a:endParaRPr>
+                    </a:p>
+                  </a:txBody>
+                  <a:tcPr/>
+                </a:tc>
+                <a:tc>
+                  <a:txBody>
+                    <a:bodyPr/>
+                    <a:lstStyle/>
+                    <a:p>
+                      <a:r>
+                        <a:rPr lang="en-US" dirty="0"/>
+                        <a:t>#</a:t>
+                      </a:r>
+                      <a:r>
+                        <a:rPr lang="en-US" baseline="0" dirty="0"/>
+                        <a:t> while (lo &lt;= hi) {</a:t>
+                      </a:r>
+                      <a:endParaRPr lang="en-SG" dirty="0"/>
+                    </a:p>
+                  </a:txBody>
+                  <a:tcPr/>
+                </a:tc>
+                <a:extLst>
+                  <a:ext uri="{0D108BD9-81ED-4DB2-BD59-A6C34878D82A}">
+                    <a16:rowId xmlns:a16="http://schemas.microsoft.com/office/drawing/2014/main" val="2108565577"/>
+                  </a:ext>
+                </a:extLst>
+              </a:tr>
+              <a:tr h="370840">
+                <a:tc>
+                  <a:txBody>
+                    <a:bodyPr/>
+                    <a:lstStyle/>
+                    <a:p>
+                      <a:r>
+                        <a:rPr lang="en-US" dirty="0">
+                          <a:latin typeface="Lucida Console" panose="020B0609040504020204" pitchFamily="49" charset="0"/>
+                        </a:rPr>
+                        <a:t>         add  $s4,</a:t>
+                      </a:r>
+                      <a:r>
+                        <a:rPr lang="en-US" baseline="0" dirty="0">
+                          <a:latin typeface="Lucida Console" panose="020B0609040504020204" pitchFamily="49" charset="0"/>
+                        </a:rPr>
+                        <a:t> $s2, $s3</a:t>
+                      </a:r>
+                    </a:p>
+                    <a:p>
+                      <a:r>
+                        <a:rPr lang="en-US" dirty="0">
+                          <a:latin typeface="Lucida Console" panose="020B0609040504020204" pitchFamily="49" charset="0"/>
+                        </a:rPr>
+                        <a:t>       [                          ]</a:t>
+                      </a:r>
+                      <a:endParaRPr lang="en-SG" dirty="0">
+                        <a:latin typeface="Lucida Console" panose="020B0609040504020204" pitchFamily="49" charset="0"/>
+                      </a:endParaRPr>
+                    </a:p>
+                  </a:txBody>
+                  <a:tcPr/>
+                </a:tc>
+                <a:tc>
+                  <a:txBody>
+                    <a:bodyPr/>
+                    <a:lstStyle/>
+                    <a:p>
+                      <a:r>
+                        <a:rPr lang="en-US" dirty="0"/>
+                        <a:t># </a:t>
+                      </a:r>
+                      <a:r>
+                        <a:rPr lang="en-US" baseline="0" dirty="0"/>
+                        <a:t>     mid = (lo + hi)/2</a:t>
+                      </a:r>
+                      <a:endParaRPr lang="en-SG" dirty="0"/>
+                    </a:p>
+                  </a:txBody>
+                  <a:tcPr/>
+                </a:tc>
+                <a:extLst>
+                  <a:ext uri="{0D108BD9-81ED-4DB2-BD59-A6C34878D82A}">
+                    <a16:rowId xmlns:a16="http://schemas.microsoft.com/office/drawing/2014/main" val="3304595207"/>
+                  </a:ext>
+                </a:extLst>
+              </a:tr>
+              <a:tr h="370840">
+                <a:tc>
+                  <a:txBody>
+                    <a:bodyPr/>
+                    <a:lstStyle/>
+                    <a:p>
+                      <a:r>
+                        <a:rPr lang="en-US" dirty="0">
+                          <a:latin typeface="Lucida Console" panose="020B0609040504020204" pitchFamily="49" charset="0"/>
+                        </a:rPr>
+                        <a:t>         </a:t>
+                      </a:r>
+                      <a:r>
+                        <a:rPr lang="en-US" dirty="0" err="1">
+                          <a:latin typeface="Lucida Console" panose="020B0609040504020204" pitchFamily="49" charset="0"/>
+                        </a:rPr>
+                        <a:t>sll</a:t>
+                      </a:r>
+                      <a:r>
+                        <a:rPr lang="en-US" dirty="0">
+                          <a:latin typeface="Lucida Console" panose="020B0609040504020204" pitchFamily="49" charset="0"/>
+                        </a:rPr>
+                        <a:t>  $t0, $s4,</a:t>
+                      </a:r>
+                      <a:r>
+                        <a:rPr lang="en-US" baseline="0" dirty="0">
+                          <a:latin typeface="Lucida Console" panose="020B0609040504020204" pitchFamily="49" charset="0"/>
+                        </a:rPr>
+                        <a:t> 2</a:t>
+                      </a:r>
+                    </a:p>
+                    <a:p>
+                      <a:r>
+                        <a:rPr lang="en-US" baseline="0" dirty="0">
+                          <a:latin typeface="Lucida Console" panose="020B0609040504020204" pitchFamily="49" charset="0"/>
+                        </a:rPr>
+                        <a:t>         add  $t0, $s0, $t0</a:t>
+                      </a:r>
+                    </a:p>
+                    <a:p>
+                      <a:r>
+                        <a:rPr lang="en-US" baseline="0" dirty="0">
+                          <a:latin typeface="Lucida Console" panose="020B0609040504020204" pitchFamily="49" charset="0"/>
+                        </a:rPr>
+                        <a:t>       [                          ]</a:t>
+                      </a:r>
+                      <a:endParaRPr lang="en-SG" dirty="0">
+                        <a:latin typeface="Lucida Console" panose="020B0609040504020204" pitchFamily="49" charset="0"/>
+                      </a:endParaRPr>
+                    </a:p>
+                  </a:txBody>
+                  <a:tcPr/>
+                </a:tc>
+                <a:tc>
+                  <a:txBody>
+                    <a:bodyPr/>
+                    <a:lstStyle/>
+                    <a:p>
+                      <a:r>
+                        <a:rPr lang="en-US" dirty="0"/>
+                        <a:t>#</a:t>
+                      </a:r>
+                      <a:r>
+                        <a:rPr lang="en-US" baseline="0" dirty="0"/>
+                        <a:t>      t0 = mid*4</a:t>
+                      </a:r>
+                    </a:p>
+                    <a:p>
+                      <a:r>
+                        <a:rPr lang="en-US" baseline="0" dirty="0"/>
+                        <a:t>#      t0 = &amp;array[mid] in bytes</a:t>
+                      </a:r>
+                    </a:p>
+                    <a:p>
+                      <a:r>
+                        <a:rPr lang="en-US" baseline="0" dirty="0"/>
+                        <a:t>#      t1 = array[mid]</a:t>
+                      </a:r>
+                      <a:endParaRPr lang="en-SG" dirty="0"/>
+                    </a:p>
+                  </a:txBody>
+                  <a:tcPr/>
+                </a:tc>
+                <a:extLst>
+                  <a:ext uri="{0D108BD9-81ED-4DB2-BD59-A6C34878D82A}">
+                    <a16:rowId xmlns:a16="http://schemas.microsoft.com/office/drawing/2014/main" val="4273099423"/>
+                  </a:ext>
+                </a:extLst>
+              </a:tr>
+              <a:tr h="370840">
+                <a:tc>
+                  <a:txBody>
+                    <a:bodyPr/>
+                    <a:lstStyle/>
+                    <a:p>
+                      <a:r>
+                        <a:rPr lang="en-US" dirty="0">
+                          <a:latin typeface="Lucida Console" panose="020B0609040504020204" pitchFamily="49" charset="0"/>
+                        </a:rPr>
+                        <a:t>         </a:t>
+                      </a:r>
+                      <a:r>
+                        <a:rPr lang="en-US" dirty="0" err="1">
+                          <a:latin typeface="Lucida Console" panose="020B0609040504020204" pitchFamily="49" charset="0"/>
+                        </a:rPr>
+                        <a:t>slt</a:t>
+                      </a:r>
+                      <a:r>
+                        <a:rPr lang="en-US" baseline="0" dirty="0">
+                          <a:latin typeface="Lucida Console" panose="020B0609040504020204" pitchFamily="49" charset="0"/>
+                        </a:rPr>
+                        <a:t>  $t9, $s1, $t1</a:t>
+                      </a:r>
+                    </a:p>
+                    <a:p>
+                      <a:r>
+                        <a:rPr lang="en-US" baseline="0" dirty="0">
+                          <a:latin typeface="Lucida Console" panose="020B0609040504020204" pitchFamily="49" charset="0"/>
+                        </a:rPr>
+                        <a:t>         </a:t>
+                      </a:r>
+                      <a:r>
+                        <a:rPr lang="en-US" baseline="0" dirty="0" err="1">
+                          <a:latin typeface="Lucida Console" panose="020B0609040504020204" pitchFamily="49" charset="0"/>
+                        </a:rPr>
+                        <a:t>beq</a:t>
+                      </a:r>
+                      <a:r>
+                        <a:rPr lang="en-US" baseline="0" dirty="0">
+                          <a:latin typeface="Lucida Console" panose="020B0609040504020204" pitchFamily="49" charset="0"/>
+                        </a:rPr>
+                        <a:t>  $t9, $zero, </a:t>
+                      </a:r>
+                      <a:r>
+                        <a:rPr lang="en-US" baseline="0" dirty="0">
+                          <a:solidFill>
+                            <a:srgbClr val="7030A0"/>
+                          </a:solidFill>
+                          <a:latin typeface="Lucida Console" panose="020B0609040504020204" pitchFamily="49" charset="0"/>
+                        </a:rPr>
+                        <a:t>bigger</a:t>
+                      </a:r>
+                      <a:endParaRPr lang="en-SG" dirty="0">
+                        <a:solidFill>
+                          <a:srgbClr val="7030A0"/>
+                        </a:solidFill>
+                        <a:latin typeface="Lucida Console" panose="020B0609040504020204" pitchFamily="49" charset="0"/>
+                      </a:endParaRPr>
+                    </a:p>
+                  </a:txBody>
+                  <a:tcPr/>
+                </a:tc>
+                <a:tc>
+                  <a:txBody>
+                    <a:bodyPr/>
+                    <a:lstStyle/>
+                    <a:p>
+                      <a:r>
+                        <a:rPr lang="en-US" dirty="0"/>
+                        <a:t>#      if (target &lt; array[mid])</a:t>
+                      </a:r>
+                      <a:endParaRPr lang="en-SG" dirty="0"/>
+                    </a:p>
+                  </a:txBody>
+                  <a:tcPr/>
+                </a:tc>
+                <a:extLst>
+                  <a:ext uri="{0D108BD9-81ED-4DB2-BD59-A6C34878D82A}">
+                    <a16:rowId xmlns:a16="http://schemas.microsoft.com/office/drawing/2014/main" val="4115566954"/>
+                  </a:ext>
+                </a:extLst>
+              </a:tr>
+              <a:tr h="370840">
+                <a:tc>
+                  <a:txBody>
+                    <a:bodyPr/>
+                    <a:lstStyle/>
+                    <a:p>
+                      <a:r>
+                        <a:rPr lang="en-US" dirty="0">
+                          <a:latin typeface="Lucida Console" panose="020B0609040504020204" pitchFamily="49" charset="0"/>
+                        </a:rPr>
+                        <a:t>         </a:t>
+                      </a:r>
+                      <a:r>
+                        <a:rPr lang="en-US" dirty="0" err="1">
+                          <a:latin typeface="Lucida Console" panose="020B0609040504020204" pitchFamily="49" charset="0"/>
+                        </a:rPr>
+                        <a:t>addi</a:t>
+                      </a:r>
+                      <a:r>
+                        <a:rPr lang="en-US" dirty="0">
+                          <a:latin typeface="Lucida Console" panose="020B0609040504020204" pitchFamily="49" charset="0"/>
+                        </a:rPr>
+                        <a:t> $s3,</a:t>
+                      </a:r>
+                      <a:r>
+                        <a:rPr lang="en-US" baseline="0" dirty="0">
+                          <a:latin typeface="Lucida Console" panose="020B0609040504020204" pitchFamily="49" charset="0"/>
+                        </a:rPr>
+                        <a:t> $s4, -1</a:t>
+                      </a:r>
+                    </a:p>
+                    <a:p>
+                      <a:r>
+                        <a:rPr lang="en-US" baseline="0" dirty="0">
+                          <a:latin typeface="Lucida Console" panose="020B0609040504020204" pitchFamily="49" charset="0"/>
+                        </a:rPr>
+                        <a:t>         j    </a:t>
+                      </a:r>
+                      <a:r>
+                        <a:rPr lang="en-US" baseline="0" dirty="0" err="1">
+                          <a:solidFill>
+                            <a:srgbClr val="7030A0"/>
+                          </a:solidFill>
+                          <a:latin typeface="Lucida Console" panose="020B0609040504020204" pitchFamily="49" charset="0"/>
+                        </a:rPr>
+                        <a:t>lpEnd</a:t>
+                      </a:r>
+                      <a:endParaRPr lang="en-SG" dirty="0">
+                        <a:solidFill>
+                          <a:srgbClr val="7030A0"/>
+                        </a:solidFill>
+                        <a:latin typeface="Lucida Console" panose="020B0609040504020204" pitchFamily="49" charset="0"/>
+                      </a:endParaRPr>
+                    </a:p>
+                  </a:txBody>
+                  <a:tcPr/>
+                </a:tc>
+                <a:tc>
+                  <a:txBody>
+                    <a:bodyPr/>
+                    <a:lstStyle/>
+                    <a:p>
+                      <a:r>
+                        <a:rPr lang="en-US" dirty="0"/>
+                        <a:t>#             hi = mid</a:t>
+                      </a:r>
+                      <a:r>
+                        <a:rPr lang="en-US" baseline="0" dirty="0"/>
+                        <a:t> – 1</a:t>
+                      </a:r>
+                      <a:endParaRPr lang="en-SG" dirty="0"/>
+                    </a:p>
+                  </a:txBody>
+                  <a:tcPr/>
+                </a:tc>
+                <a:extLst>
+                  <a:ext uri="{0D108BD9-81ED-4DB2-BD59-A6C34878D82A}">
+                    <a16:rowId xmlns:a16="http://schemas.microsoft.com/office/drawing/2014/main" val="88710001"/>
+                  </a:ext>
+                </a:extLst>
+              </a:tr>
+              <a:tr h="370840">
+                <a:tc>
+                  <a:txBody>
+                    <a:bodyPr/>
+                    <a:lstStyle/>
+                    <a:p>
+                      <a:r>
+                        <a:rPr lang="en-US" dirty="0">
+                          <a:solidFill>
+                            <a:srgbClr val="7030A0"/>
+                          </a:solidFill>
+                          <a:latin typeface="Lucida Console" panose="020B0609040504020204" pitchFamily="49" charset="0"/>
+                        </a:rPr>
+                        <a:t>bigger:</a:t>
+                      </a:r>
+                      <a:r>
+                        <a:rPr lang="en-US" dirty="0">
+                          <a:latin typeface="Lucida Console" panose="020B0609040504020204" pitchFamily="49" charset="0"/>
+                        </a:rPr>
+                        <a:t>[                         ]</a:t>
+                      </a:r>
+                    </a:p>
+                    <a:p>
+                      <a:r>
+                        <a:rPr lang="en-US" dirty="0">
+                          <a:latin typeface="Lucida Console" panose="020B0609040504020204" pitchFamily="49" charset="0"/>
+                        </a:rPr>
+                        <a:t>       [</a:t>
+                      </a:r>
+                      <a:r>
+                        <a:rPr lang="en-US" baseline="0" dirty="0">
+                          <a:latin typeface="Lucida Console" panose="020B0609040504020204" pitchFamily="49" charset="0"/>
+                        </a:rPr>
+                        <a:t>                         ]</a:t>
+                      </a:r>
+                      <a:endParaRPr lang="en-SG" dirty="0">
+                        <a:latin typeface="Lucida Console" panose="020B0609040504020204" pitchFamily="49" charset="0"/>
+                      </a:endParaRPr>
+                    </a:p>
+                  </a:txBody>
+                  <a:tcPr/>
+                </a:tc>
+                <a:tc>
+                  <a:txBody>
+                    <a:bodyPr/>
+                    <a:lstStyle/>
+                    <a:p>
+                      <a:r>
+                        <a:rPr lang="en-US" dirty="0"/>
+                        <a:t>#       else</a:t>
+                      </a:r>
+                      <a:r>
+                        <a:rPr lang="en-US" baseline="0" dirty="0"/>
+                        <a:t> if (target &gt; array[mid])</a:t>
+                      </a:r>
+                      <a:endParaRPr lang="en-SG" dirty="0"/>
+                    </a:p>
+                  </a:txBody>
+                  <a:tcPr/>
+                </a:tc>
+                <a:extLst>
+                  <a:ext uri="{0D108BD9-81ED-4DB2-BD59-A6C34878D82A}">
+                    <a16:rowId xmlns:a16="http://schemas.microsoft.com/office/drawing/2014/main" val="312960393"/>
+                  </a:ext>
+                </a:extLst>
+              </a:tr>
+              <a:tr h="370840">
+                <a:tc>
+                  <a:txBody>
+                    <a:bodyPr/>
+                    <a:lstStyle/>
+                    <a:p>
+                      <a:r>
+                        <a:rPr lang="en-US" dirty="0">
+                          <a:latin typeface="Lucida Console" panose="020B0609040504020204" pitchFamily="49" charset="0"/>
+                        </a:rPr>
+                        <a:t>         </a:t>
+                      </a:r>
+                      <a:r>
+                        <a:rPr lang="en-US" dirty="0" err="1">
+                          <a:latin typeface="Lucida Console" panose="020B0609040504020204" pitchFamily="49" charset="0"/>
+                        </a:rPr>
+                        <a:t>addi</a:t>
+                      </a:r>
+                      <a:r>
+                        <a:rPr lang="en-US" baseline="0" dirty="0">
+                          <a:latin typeface="Lucida Console" panose="020B0609040504020204" pitchFamily="49" charset="0"/>
+                        </a:rPr>
+                        <a:t> $s2, $s4, 1</a:t>
+                      </a:r>
+                    </a:p>
+                    <a:p>
+                      <a:r>
+                        <a:rPr lang="en-US" baseline="0" dirty="0">
+                          <a:latin typeface="Lucida Console" panose="020B0609040504020204" pitchFamily="49" charset="0"/>
+                        </a:rPr>
+                        <a:t>         j    </a:t>
+                      </a:r>
+                      <a:r>
+                        <a:rPr lang="en-US" baseline="0" dirty="0" err="1">
+                          <a:solidFill>
+                            <a:srgbClr val="7030A0"/>
+                          </a:solidFill>
+                          <a:latin typeface="Lucida Console" panose="020B0609040504020204" pitchFamily="49" charset="0"/>
+                        </a:rPr>
+                        <a:t>lpEnd</a:t>
+                      </a:r>
+                      <a:r>
+                        <a:rPr lang="en-US" baseline="0" dirty="0">
+                          <a:solidFill>
+                            <a:srgbClr val="7030A0"/>
+                          </a:solidFill>
+                          <a:latin typeface="Lucida Console" panose="020B0609040504020204" pitchFamily="49" charset="0"/>
+                        </a:rPr>
+                        <a:t>;</a:t>
+                      </a:r>
+                      <a:endParaRPr lang="en-SG" dirty="0">
+                        <a:solidFill>
+                          <a:srgbClr val="7030A0"/>
+                        </a:solidFill>
+                        <a:latin typeface="Lucida Console" panose="020B0609040504020204" pitchFamily="49" charset="0"/>
+                      </a:endParaRPr>
+                    </a:p>
+                  </a:txBody>
+                  <a:tcPr/>
+                </a:tc>
+                <a:tc>
+                  <a:txBody>
+                    <a:bodyPr/>
+                    <a:lstStyle/>
+                    <a:p>
+                      <a:r>
+                        <a:rPr lang="en-US" dirty="0"/>
+                        <a:t>#            lo = mid + 1</a:t>
+                      </a:r>
+                      <a:endParaRPr lang="en-SG" dirty="0"/>
+                    </a:p>
+                  </a:txBody>
+                  <a:tcPr/>
+                </a:tc>
+                <a:extLst>
+                  <a:ext uri="{0D108BD9-81ED-4DB2-BD59-A6C34878D82A}">
+                    <a16:rowId xmlns:a16="http://schemas.microsoft.com/office/drawing/2014/main" val="3819998"/>
+                  </a:ext>
+                </a:extLst>
+              </a:tr>
+              <a:tr h="370840">
+                <a:tc>
+                  <a:txBody>
+                    <a:bodyPr/>
+                    <a:lstStyle/>
+                    <a:p>
+                      <a:r>
+                        <a:rPr lang="en-US" dirty="0">
+                          <a:solidFill>
+                            <a:srgbClr val="7030A0"/>
+                          </a:solidFill>
+                          <a:latin typeface="Lucida Console" panose="020B0609040504020204" pitchFamily="49" charset="0"/>
+                        </a:rPr>
+                        <a:t>equal:   </a:t>
+                      </a:r>
+                      <a:r>
+                        <a:rPr lang="en-US" dirty="0">
+                          <a:latin typeface="Lucida Console" panose="020B0609040504020204" pitchFamily="49" charset="0"/>
+                        </a:rPr>
+                        <a:t>add</a:t>
+                      </a:r>
+                      <a:r>
+                        <a:rPr lang="en-US" baseline="0" dirty="0">
+                          <a:latin typeface="Lucida Console" panose="020B0609040504020204" pitchFamily="49" charset="0"/>
+                        </a:rPr>
+                        <a:t>  $s5, $s4, $zero</a:t>
+                      </a:r>
+                    </a:p>
+                    <a:p>
+                      <a:r>
+                        <a:rPr lang="en-US" baseline="0" dirty="0">
+                          <a:latin typeface="Lucida Console" panose="020B0609040504020204" pitchFamily="49" charset="0"/>
+                        </a:rPr>
+                        <a:t>       [                         ]</a:t>
+                      </a:r>
+                      <a:endParaRPr lang="en-SG" dirty="0">
+                        <a:latin typeface="Lucida Console" panose="020B0609040504020204" pitchFamily="49" charset="0"/>
+                      </a:endParaRPr>
+                    </a:p>
+                  </a:txBody>
+                  <a:tcPr/>
+                </a:tc>
+                <a:tc>
+                  <a:txBody>
+                    <a:bodyPr/>
+                    <a:lstStyle/>
+                    <a:p>
+                      <a:r>
+                        <a:rPr lang="en-US" dirty="0"/>
+                        <a:t>#</a:t>
+                      </a:r>
+                      <a:r>
+                        <a:rPr lang="en-US" baseline="0" dirty="0"/>
+                        <a:t>      else {  </a:t>
+                      </a:r>
+                      <a:r>
+                        <a:rPr lang="en-US" baseline="0" dirty="0" err="1"/>
+                        <a:t>ans</a:t>
+                      </a:r>
+                      <a:r>
+                        <a:rPr lang="en-US" baseline="0" dirty="0"/>
+                        <a:t> = mid; break; }</a:t>
+                      </a:r>
+                    </a:p>
+                    <a:p>
+                      <a:r>
+                        <a:rPr lang="en-SG" baseline="0" dirty="0"/>
+                        <a:t> </a:t>
+                      </a:r>
+                      <a:endParaRPr lang="en-US" baseline="0" dirty="0"/>
+                    </a:p>
+                  </a:txBody>
+                  <a:tcPr/>
+                </a:tc>
+                <a:extLst>
+                  <a:ext uri="{0D108BD9-81ED-4DB2-BD59-A6C34878D82A}">
+                    <a16:rowId xmlns:a16="http://schemas.microsoft.com/office/drawing/2014/main" val="2929211152"/>
+                  </a:ext>
+                </a:extLst>
+              </a:tr>
+              <a:tr h="370840">
+                <a:tc>
+                  <a:txBody>
+                    <a:bodyPr/>
+                    <a:lstStyle/>
+                    <a:p>
+                      <a:r>
+                        <a:rPr lang="en-US" dirty="0" err="1">
+                          <a:solidFill>
+                            <a:srgbClr val="7030A0"/>
+                          </a:solidFill>
+                          <a:latin typeface="Lucida Console" panose="020B0609040504020204" pitchFamily="49" charset="0"/>
+                        </a:rPr>
+                        <a:t>lpEnd</a:t>
+                      </a:r>
+                      <a:r>
+                        <a:rPr lang="en-US" dirty="0">
+                          <a:solidFill>
+                            <a:srgbClr val="7030A0"/>
+                          </a:solidFill>
+                          <a:latin typeface="Lucida Console" panose="020B0609040504020204" pitchFamily="49" charset="0"/>
+                        </a:rPr>
+                        <a:t>:</a:t>
+                      </a:r>
+                      <a:r>
+                        <a:rPr lang="en-US" baseline="0" dirty="0">
+                          <a:solidFill>
+                            <a:srgbClr val="7030A0"/>
+                          </a:solidFill>
+                          <a:latin typeface="Lucida Console" panose="020B0609040504020204" pitchFamily="49" charset="0"/>
+                        </a:rPr>
+                        <a:t> </a:t>
+                      </a:r>
+                      <a:r>
+                        <a:rPr lang="en-US" baseline="0" dirty="0">
+                          <a:latin typeface="Lucida Console" panose="020B0609040504020204" pitchFamily="49" charset="0"/>
+                        </a:rPr>
+                        <a:t>[                         ]</a:t>
+                      </a:r>
+                      <a:endParaRPr lang="en-SG" dirty="0">
+                        <a:latin typeface="Lucida Console" panose="020B0609040504020204" pitchFamily="49" charset="0"/>
+                      </a:endParaRPr>
+                    </a:p>
+                  </a:txBody>
+                  <a:tcPr/>
+                </a:tc>
+                <a:tc>
+                  <a:txBody>
+                    <a:bodyPr/>
+                    <a:lstStyle/>
+                    <a:p>
+                      <a:r>
+                        <a:rPr lang="en-US" baseline="0" dirty="0"/>
+                        <a:t>#} // end of while loop</a:t>
+                      </a:r>
+                    </a:p>
+                  </a:txBody>
+                  <a:tcPr/>
+                </a:tc>
+                <a:extLst>
+                  <a:ext uri="{0D108BD9-81ED-4DB2-BD59-A6C34878D82A}">
+                    <a16:rowId xmlns:a16="http://schemas.microsoft.com/office/drawing/2014/main" val="1597943046"/>
+                  </a:ext>
+                </a:extLst>
+              </a:tr>
+              <a:tr h="370840">
+                <a:tc>
+                  <a:txBody>
+                    <a:bodyPr/>
+                    <a:lstStyle/>
+                    <a:p>
+                      <a:r>
+                        <a:rPr lang="en-US" dirty="0">
+                          <a:solidFill>
+                            <a:srgbClr val="7030A0"/>
+                          </a:solidFill>
+                          <a:latin typeface="Lucida Console" panose="020B0609040504020204" pitchFamily="49" charset="0"/>
+                        </a:rPr>
+                        <a:t>end:</a:t>
+                      </a:r>
+                      <a:endParaRPr lang="en-SG" dirty="0">
+                        <a:solidFill>
+                          <a:srgbClr val="7030A0"/>
+                        </a:solidFill>
+                        <a:latin typeface="Lucida Console" panose="020B0609040504020204" pitchFamily="49" charset="0"/>
+                      </a:endParaRPr>
+                    </a:p>
+                  </a:txBody>
+                  <a:tcPr/>
+                </a:tc>
+                <a:tc>
+                  <a:txBody>
+                    <a:bodyPr/>
+                    <a:lstStyle/>
+                    <a:p>
+                      <a:endParaRPr lang="en-US" baseline="0" dirty="0"/>
+                    </a:p>
+                  </a:txBody>
+                  <a:tcPr/>
+                </a:tc>
+                <a:extLst>
+                  <a:ext uri="{0D108BD9-81ED-4DB2-BD59-A6C34878D82A}">
+                    <a16:rowId xmlns:a16="http://schemas.microsoft.com/office/drawing/2014/main" val="2672614199"/>
+                  </a:ext>
+                </a:extLst>
+              </a:tr>
+            </a:tbl>
+          </a:graphicData>
+        </a:graphic>
+      </p:graphicFrame>
+    </p:spTree>
+    <p:extLst>
+      <p:ext uri="{BB962C8B-B14F-4D97-AF65-F5344CB8AC3E}">
+        <p14:creationId xmlns:p14="http://schemas.microsoft.com/office/powerpoint/2010/main" val="1947964891"/>
+      </p:ext>
+    </p:extLst>
+  </p:cSld>
+  <p:clrMapOvr>
+    <a:masterClrMapping/>
+  </p:clrMapOvr>
+</p:sld>
+</file>
+
+<file path=ppt/slides/slide36.xml><?xml version="1.0" encoding="utf-8"?>
+<p:sld xmlns:a="http://schemas.openxmlformats.org/drawingml/2006/main" xmlns:r="http://schemas.openxmlformats.org/officeDocument/2006/relationships" xmlns:p="http://schemas.openxmlformats.org/presentationml/2006/main">
+  <p:cSld>
+    <p:spTree>
+      <p:nvGrpSpPr>
+        <p:cNvPr id="1" name=""/>
+        <p:cNvGrpSpPr/>
+        <p:nvPr/>
+      </p:nvGrpSpPr>
+      <p:grpSpPr>
+        <a:xfrm>
+          <a:off x="0" y="0"/>
+          <a:ext cx="0" cy="0"/>
+          <a:chOff x="0" y="0"/>
+          <a:chExt cx="0" cy="0"/>
+        </a:xfrm>
+      </p:grpSpPr>
+      <p:sp>
+        <p:nvSpPr>
+          <p:cNvPr id="104" name="Slide Number Placeholder 103"/>
+          <p:cNvSpPr>
+            <a:spLocks noGrp="1"/>
+          </p:cNvSpPr>
+          <p:nvPr>
+            <p:ph type="sldNum" sz="quarter" idx="12"/>
+          </p:nvPr>
+        </p:nvSpPr>
+        <p:spPr>
+          <a:xfrm>
+            <a:off x="9287091" y="6387033"/>
+            <a:ext cx="2743200" cy="365125"/>
+          </a:xfrm>
+        </p:spPr>
+        <p:txBody>
+          <a:bodyPr/>
+          <a:lstStyle/>
+          <a:p>
+            <a:fld id="{AEBE2BCA-7FFD-4666-9163-5C061F649162}" type="slidenum">
+              <a:rPr lang="en-SG" sz="1600" b="1" smtClean="0">
+                <a:solidFill>
+                  <a:schemeClr val="tx1"/>
+                </a:solidFill>
+              </a:rPr>
+              <a:t>36</a:t>
             </a:fld>
             <a:endParaRPr lang="en-SG" sz="1600" b="1" dirty="0">
               <a:solidFill>
@@ -31079,7 +31313,7 @@
 </p:sld>
 </file>
 
-<file path=ppt/slides/slide36.xml><?xml version="1.0" encoding="utf-8"?>
+<file path=ppt/slides/slide37.xml><?xml version="1.0" encoding="utf-8"?>
 <p:sld xmlns:a="http://schemas.openxmlformats.org/drawingml/2006/main" xmlns:r="http://schemas.openxmlformats.org/officeDocument/2006/relationships" xmlns:p="http://schemas.openxmlformats.org/presentationml/2006/main">
   <p:cSld>
     <p:spTree>
@@ -31096,42 +31330,6 @@
           <a:chExt cx="0" cy="0"/>
         </a:xfrm>
       </p:grpSpPr>
-      <p:sp>
-        <p:nvSpPr>
-          <p:cNvPr id="104" name="Slide Number Placeholder 103"/>
-          <p:cNvSpPr>
-            <a:spLocks noGrp="1"/>
-          </p:cNvSpPr>
-          <p:nvPr>
-            <p:ph type="sldNum" sz="quarter" idx="12"/>
-          </p:nvPr>
-        </p:nvSpPr>
-        <p:spPr>
-          <a:xfrm>
-            <a:off x="9287091" y="6387033"/>
-            <a:ext cx="2743200" cy="365125"/>
-          </a:xfrm>
-        </p:spPr>
-        <p:txBody>
-          <a:bodyPr/>
-          <a:lstStyle/>
-          <a:p>
-            <a:fld id="{AEBE2BCA-7FFD-4666-9163-5C061F649162}" type="slidenum">
-              <a:rPr lang="en-SG" sz="1600" b="1" smtClean="0">
-                <a:solidFill>
-                  <a:schemeClr val="tx1"/>
-                </a:solidFill>
-              </a:rPr>
-              <a:t>36</a:t>
-            </a:fld>
-            <a:endParaRPr lang="en-SG" sz="1600" b="1" dirty="0">
-              <a:solidFill>
-                <a:schemeClr val="tx1"/>
-              </a:solidFill>
-            </a:endParaRPr>
-          </a:p>
-        </p:txBody>
-      </p:sp>
       <p:sp>
         <p:nvSpPr>
           <p:cNvPr id="7" name="TextBox 6">
@@ -32052,9 +32250,9 @@
         <p:grpSpPr>
           <a:xfrm>
             <a:off x="5184843" y="322235"/>
-            <a:ext cx="6519257" cy="707886"/>
+            <a:ext cx="6519257" cy="1015663"/>
             <a:chOff x="5184843" y="322235"/>
-            <a:chExt cx="6519257" cy="707886"/>
+            <a:chExt cx="6519257" cy="1015663"/>
           </a:xfrm>
         </p:grpSpPr>
         <p:sp>
@@ -32066,7 +32264,7 @@
           <p:spPr>
             <a:xfrm>
               <a:off x="7001091" y="322235"/>
-              <a:ext cx="4703009" cy="707886"/>
+              <a:ext cx="4703009" cy="1015663"/>
             </a:xfrm>
             <a:prstGeom prst="rect">
               <a:avLst/>
@@ -32080,18 +32278,26 @@
             <a:lstStyle/>
             <a:p>
               <a:r>
-                <a:rPr lang="en-US" sz="2000" dirty="0"/>
+                <a:rPr lang="en-US" sz="2000" dirty="0">
+                  <a:latin typeface="AndesNeue Alt 2 Book" panose="00000500000000000000" pitchFamily="2" charset="0"/>
+                </a:rPr>
                 <a:t>(b) What is the immediate value in decimal for the “</a:t>
               </a:r>
               <a:r>
-                <a:rPr lang="en-US" sz="2000" dirty="0" err="1"/>
+                <a:rPr lang="en-US" sz="2000" dirty="0" err="1">
+                  <a:latin typeface="AndesNeue Alt 2 Book" panose="00000500000000000000" pitchFamily="2" charset="0"/>
+                </a:rPr>
                 <a:t>bne</a:t>
               </a:r>
               <a:r>
-                <a:rPr lang="en-US" sz="2000" dirty="0"/>
+                <a:rPr lang="en-US" sz="2000" dirty="0">
+                  <a:latin typeface="AndesNeue Alt 2 Book" panose="00000500000000000000" pitchFamily="2" charset="0"/>
+                </a:rPr>
                 <a:t> $t9, $zero, end” instruction?</a:t>
               </a:r>
-              <a:endParaRPr lang="en-SG" sz="2000" dirty="0"/>
+              <a:endParaRPr lang="en-SG" sz="2000" dirty="0">
+                <a:latin typeface="AndesNeue Alt 2 Book" panose="00000500000000000000" pitchFamily="2" charset="0"/>
+              </a:endParaRPr>
             </a:p>
           </p:txBody>
         </p:sp>
@@ -32140,8 +32346,8 @@
         </p:nvSpPr>
         <p:spPr>
           <a:xfrm>
-            <a:off x="7353841" y="999717"/>
-            <a:ext cx="4173166" cy="923330"/>
+            <a:off x="7199924" y="1257312"/>
+            <a:ext cx="4173166" cy="830997"/>
           </a:xfrm>
           <a:prstGeom prst="rect">
             <a:avLst/>
@@ -32160,30 +32366,41 @@
           <a:lstStyle/>
           <a:p>
             <a:r>
-              <a:rPr lang="en-US" dirty="0"/>
+              <a:rPr lang="en-US" sz="1600" dirty="0">
+                <a:latin typeface="AndesNeue Alt 2 Book" panose="00000500000000000000" pitchFamily="2" charset="0"/>
+              </a:rPr>
               <a:t>end: is 16 instructions away from </a:t>
             </a:r>
             <a:r>
-              <a:rPr lang="en-US" dirty="0" err="1"/>
+              <a:rPr lang="en-US" sz="1600" dirty="0" err="1">
+                <a:latin typeface="AndesNeue Alt 2 Book" panose="00000500000000000000" pitchFamily="2" charset="0"/>
+              </a:rPr>
               <a:t>bne’s</a:t>
             </a:r>
             <a:r>
-              <a:rPr lang="en-US" dirty="0"/>
+              <a:rPr lang="en-US" sz="1600" dirty="0">
+                <a:latin typeface="AndesNeue Alt 2 Book" panose="00000500000000000000" pitchFamily="2" charset="0"/>
+              </a:rPr>
               <a:t> next instruction (add $s4, $2, $s3), so the immediate value is </a:t>
             </a:r>
             <a:r>
-              <a:rPr lang="en-US" b="1" dirty="0">
+              <a:rPr lang="en-US" sz="1600" b="1" dirty="0">
                 <a:solidFill>
                   <a:srgbClr val="C00000"/>
                 </a:solidFill>
+                <a:latin typeface="AndesNeue Alt 2 Book" panose="00000500000000000000" pitchFamily="2" charset="0"/>
               </a:rPr>
               <a:t>16</a:t>
             </a:r>
             <a:r>
-              <a:rPr lang="en-US" dirty="0"/>
+              <a:rPr lang="en-US" sz="1600" dirty="0">
+                <a:latin typeface="AndesNeue Alt 2 Book" panose="00000500000000000000" pitchFamily="2" charset="0"/>
+              </a:rPr>
               <a:t>.</a:t>
             </a:r>
-            <a:endParaRPr lang="en-SG" dirty="0"/>
+            <a:endParaRPr lang="en-SG" sz="1600" dirty="0">
+              <a:latin typeface="AndesNeue Alt 2 Book" panose="00000500000000000000" pitchFamily="2" charset="0"/>
+            </a:endParaRPr>
           </a:p>
         </p:txBody>
       </p:sp>
@@ -32210,7 +32427,7 @@
           <p:spPr>
             <a:xfrm>
               <a:off x="6977914" y="2046584"/>
-              <a:ext cx="4218622" cy="1015663"/>
+              <a:ext cx="4218622" cy="1323439"/>
             </a:xfrm>
             <a:prstGeom prst="rect">
               <a:avLst/>
@@ -32224,18 +32441,26 @@
             <a:lstStyle/>
             <a:p>
               <a:r>
-                <a:rPr lang="en-US" sz="2000" dirty="0"/>
+                <a:rPr lang="en-US" sz="2000" dirty="0">
+                  <a:latin typeface="AndesNeue Alt 2 Book" panose="00000500000000000000" pitchFamily="2" charset="0"/>
+                </a:rPr>
                 <a:t>(c) If the first instruction is at address 0xFFFFFF00, what is the hexadecimal representation of this “j </a:t>
               </a:r>
               <a:r>
-                <a:rPr lang="en-US" sz="2000" dirty="0" err="1"/>
+                <a:rPr lang="en-US" sz="2000" dirty="0" err="1">
+                  <a:latin typeface="AndesNeue Alt 2 Book" panose="00000500000000000000" pitchFamily="2" charset="0"/>
+                </a:rPr>
                 <a:t>lpEnd</a:t>
               </a:r>
               <a:r>
-                <a:rPr lang="en-US" sz="2000" dirty="0"/>
+                <a:rPr lang="en-US" sz="2000" dirty="0">
+                  <a:latin typeface="AndesNeue Alt 2 Book" panose="00000500000000000000" pitchFamily="2" charset="0"/>
+                </a:rPr>
                 <a:t>”?</a:t>
               </a:r>
-              <a:endParaRPr lang="en-SG" sz="2000" dirty="0"/>
+              <a:endParaRPr lang="en-SG" sz="2000" dirty="0">
+                <a:latin typeface="AndesNeue Alt 2 Book" panose="00000500000000000000" pitchFamily="2" charset="0"/>
+              </a:endParaRPr>
             </a:p>
           </p:txBody>
         </p:sp>
@@ -32284,8 +32509,8 @@
         </p:nvSpPr>
         <p:spPr>
           <a:xfrm>
-            <a:off x="7223101" y="3063047"/>
-            <a:ext cx="4480999" cy="2031325"/>
+            <a:off x="7199924" y="3307752"/>
+            <a:ext cx="4480999" cy="1877437"/>
           </a:xfrm>
           <a:prstGeom prst="rect">
             <a:avLst/>
@@ -32304,55 +32529,73 @@
           <a:lstStyle/>
           <a:p>
             <a:r>
-              <a:rPr lang="en-US" dirty="0"/>
+              <a:rPr lang="en-US" sz="1600" dirty="0">
+                <a:latin typeface="AndesNeue Alt 2 Book" panose="00000500000000000000" pitchFamily="2" charset="0"/>
+              </a:rPr>
               <a:t>Address at </a:t>
             </a:r>
             <a:r>
-              <a:rPr lang="en-US" dirty="0" err="1"/>
+              <a:rPr lang="en-US" sz="1600" dirty="0" err="1">
+                <a:latin typeface="AndesNeue Alt 2 Book" panose="00000500000000000000" pitchFamily="2" charset="0"/>
+              </a:rPr>
               <a:t>lpEnd</a:t>
             </a:r>
             <a:r>
-              <a:rPr lang="en-US" dirty="0"/>
+              <a:rPr lang="en-US" sz="1600" dirty="0">
+                <a:latin typeface="AndesNeue Alt 2 Book" panose="00000500000000000000" pitchFamily="2" charset="0"/>
+              </a:rPr>
               <a:t>: is 0xFFFFFF00 + (17</a:t>
             </a:r>
             <a:r>
-              <a:rPr lang="en-US" baseline="-25000" dirty="0"/>
+              <a:rPr lang="en-US" sz="1600" baseline="-25000" dirty="0">
+                <a:latin typeface="AndesNeue Alt 2 Book" panose="00000500000000000000" pitchFamily="2" charset="0"/>
+              </a:rPr>
               <a:t>10</a:t>
             </a:r>
             <a:r>
-              <a:rPr lang="en-US" dirty="0"/>
+              <a:rPr lang="en-US" sz="1600" dirty="0">
+                <a:latin typeface="AndesNeue Alt 2 Book" panose="00000500000000000000" pitchFamily="2" charset="0"/>
+              </a:rPr>
               <a:t>×4) =0xFFFFFF44.</a:t>
             </a:r>
           </a:p>
           <a:p>
             <a:r>
-              <a:rPr lang="en-US" dirty="0"/>
+              <a:rPr lang="en-US" sz="1600" dirty="0">
+                <a:latin typeface="AndesNeue Alt 2 Book" panose="00000500000000000000" pitchFamily="2" charset="0"/>
+              </a:rPr>
               <a:t>Removing the first 4 bits and last 2 bits, we put this into the immediate field. Opcode of j is 000010. Hence,</a:t>
             </a:r>
           </a:p>
           <a:p>
             <a:r>
-              <a:rPr lang="en-US" dirty="0"/>
+              <a:rPr lang="en-US" sz="1600" dirty="0">
+                <a:latin typeface="AndesNeue Alt 2 Book" panose="00000500000000000000" pitchFamily="2" charset="0"/>
+              </a:rPr>
               <a:t>000010 1111 1111 1111 1111 1111 0100 01</a:t>
             </a:r>
           </a:p>
           <a:p>
             <a:r>
-              <a:rPr lang="en-US" dirty="0"/>
+              <a:rPr lang="en-US" sz="1600" dirty="0">
+                <a:latin typeface="AndesNeue Alt 2 Book" panose="00000500000000000000" pitchFamily="2" charset="0"/>
+              </a:rPr>
               <a:t>= </a:t>
             </a:r>
             <a:r>
-              <a:rPr lang="en-US" b="1" dirty="0">
+              <a:rPr lang="en-US" sz="1600" b="1" dirty="0">
                 <a:solidFill>
                   <a:srgbClr val="C00000"/>
                 </a:solidFill>
+                <a:latin typeface="AndesNeue Alt 2 Book" panose="00000500000000000000" pitchFamily="2" charset="0"/>
               </a:rPr>
               <a:t>0x0BFFFFD1 </a:t>
             </a:r>
-            <a:endParaRPr lang="en-SG" b="1" dirty="0">
+            <a:endParaRPr lang="en-SG" sz="1600" b="1" dirty="0">
               <a:solidFill>
                 <a:srgbClr val="C00000"/>
               </a:solidFill>
+              <a:latin typeface="AndesNeue Alt 2 Book" panose="00000500000000000000" pitchFamily="2" charset="0"/>
             </a:endParaRPr>
           </a:p>
         </p:txBody>
@@ -32394,18 +32637,26 @@
             <a:lstStyle/>
             <a:p>
               <a:r>
-                <a:rPr lang="en-US" sz="2000" dirty="0"/>
+                <a:rPr lang="en-US" sz="2000" dirty="0">
+                  <a:latin typeface="AndesNeue Alt 2 Book" panose="00000500000000000000" pitchFamily="2" charset="0"/>
+                </a:rPr>
                 <a:t>(d) Is the encoding of the second “j </a:t>
               </a:r>
               <a:r>
-                <a:rPr lang="en-US" sz="2000" dirty="0" err="1"/>
+                <a:rPr lang="en-US" sz="2000" dirty="0" err="1">
+                  <a:latin typeface="AndesNeue Alt 2 Book" panose="00000500000000000000" pitchFamily="2" charset="0"/>
+                </a:rPr>
                 <a:t>lpEnd</a:t>
               </a:r>
               <a:r>
-                <a:rPr lang="en-US" sz="2000" dirty="0"/>
+                <a:rPr lang="en-US" sz="2000" dirty="0">
+                  <a:latin typeface="AndesNeue Alt 2 Book" panose="00000500000000000000" pitchFamily="2" charset="0"/>
+                </a:rPr>
                 <a:t>” different from part (c)?</a:t>
               </a:r>
-              <a:endParaRPr lang="en-SG" sz="2000" dirty="0"/>
+              <a:endParaRPr lang="en-SG" sz="2000" dirty="0">
+                <a:latin typeface="AndesNeue Alt 2 Book" panose="00000500000000000000" pitchFamily="2" charset="0"/>
+              </a:endParaRPr>
             </a:p>
           </p:txBody>
         </p:sp>
@@ -32454,8 +32705,8 @@
         </p:nvSpPr>
         <p:spPr>
           <a:xfrm>
-            <a:off x="7353841" y="5962257"/>
-            <a:ext cx="3920516" cy="646331"/>
+            <a:off x="7199924" y="5967838"/>
+            <a:ext cx="3920516" cy="584775"/>
           </a:xfrm>
           <a:prstGeom prst="rect">
             <a:avLst/>
@@ -32474,10 +32725,14 @@
           <a:lstStyle/>
           <a:p>
             <a:r>
-              <a:rPr lang="en-US" dirty="0"/>
+              <a:rPr lang="en-US" sz="1600" dirty="0">
+                <a:latin typeface="AndesNeue Alt 2 Book" panose="00000500000000000000" pitchFamily="2" charset="0"/>
+              </a:rPr>
               <a:t>Same encoding. The two j instructions jump to the same address.</a:t>
             </a:r>
-            <a:endParaRPr lang="en-SG" dirty="0"/>
+            <a:endParaRPr lang="en-SG" sz="1600" dirty="0">
+              <a:latin typeface="AndesNeue Alt 2 Book" panose="00000500000000000000" pitchFamily="2" charset="0"/>
+            </a:endParaRPr>
           </a:p>
         </p:txBody>
       </p:sp>
@@ -32688,7 +32943,7 @@
 </p:sld>
 </file>
 
-<file path=ppt/slides/slide37.xml><?xml version="1.0" encoding="utf-8"?>
+<file path=ppt/slides/slide38.xml><?xml version="1.0" encoding="utf-8"?>
 <p:sld xmlns:a="http://schemas.openxmlformats.org/drawingml/2006/main" xmlns:r="http://schemas.openxmlformats.org/officeDocument/2006/relationships" xmlns:p="http://schemas.openxmlformats.org/presentationml/2006/main">
   <p:cSld>
     <p:spTree>
@@ -32951,6 +33206,141 @@
 </p:sld>
 </file>
 
+<file path=ppt/slides/slide39.xml><?xml version="1.0" encoding="utf-8"?>
+<p:sld xmlns:a="http://schemas.openxmlformats.org/drawingml/2006/main" xmlns:r="http://schemas.openxmlformats.org/officeDocument/2006/relationships" xmlns:p="http://schemas.openxmlformats.org/presentationml/2006/main">
+  <p:cSld>
+    <p:spTree>
+      <p:nvGrpSpPr>
+        <p:cNvPr id="1" name=""/>
+        <p:cNvGrpSpPr/>
+        <p:nvPr/>
+      </p:nvGrpSpPr>
+      <p:grpSpPr>
+        <a:xfrm>
+          <a:off x="0" y="0"/>
+          <a:ext cx="0" cy="0"/>
+          <a:chOff x="0" y="0"/>
+          <a:chExt cx="0" cy="0"/>
+        </a:xfrm>
+      </p:grpSpPr>
+      <p:sp>
+        <p:nvSpPr>
+          <p:cNvPr id="2" name="Title 1">
+            <a:extLst>
+              <a:ext uri="{FF2B5EF4-FFF2-40B4-BE49-F238E27FC236}">
+                <a16:creationId xmlns:a16="http://schemas.microsoft.com/office/drawing/2014/main" id="{BEF3BB57-40D7-8E15-1C22-16D90BCAFCBB}"/>
+              </a:ext>
+            </a:extLst>
+          </p:cNvPr>
+          <p:cNvSpPr>
+            <a:spLocks noGrp="1"/>
+          </p:cNvSpPr>
+          <p:nvPr>
+            <p:ph type="title"/>
+          </p:nvPr>
+        </p:nvSpPr>
+        <p:spPr/>
+        <p:txBody>
+          <a:bodyPr/>
+          <a:lstStyle/>
+          <a:p>
+            <a:r>
+              <a:rPr lang="en-SG"/>
+              <a:t>Bonus: Where to go for C</a:t>
+            </a:r>
+          </a:p>
+        </p:txBody>
+      </p:sp>
+      <p:sp>
+        <p:nvSpPr>
+          <p:cNvPr id="3" name="Content Placeholder 2">
+            <a:extLst>
+              <a:ext uri="{FF2B5EF4-FFF2-40B4-BE49-F238E27FC236}">
+                <a16:creationId xmlns:a16="http://schemas.microsoft.com/office/drawing/2014/main" id="{E2969ECB-13E1-5BC3-C325-623F1FFF4CCE}"/>
+              </a:ext>
+            </a:extLst>
+          </p:cNvPr>
+          <p:cNvSpPr>
+            <a:spLocks noGrp="1"/>
+          </p:cNvSpPr>
+          <p:nvPr>
+            <p:ph idx="1"/>
+          </p:nvPr>
+        </p:nvSpPr>
+        <p:spPr/>
+        <p:txBody>
+          <a:bodyPr/>
+          <a:lstStyle/>
+          <a:p>
+            <a:r>
+              <a:rPr lang="en-SG"/>
+              <a:t>Look at your standard header files</a:t>
+            </a:r>
+          </a:p>
+          <a:p>
+            <a:pPr lvl="1"/>
+            <a:r>
+              <a:rPr lang="en-SG"/>
+              <a:t>There are more than just stdio.h</a:t>
+            </a:r>
+          </a:p>
+          <a:p>
+            <a:r>
+              <a:rPr lang="en-SG"/>
+              <a:t>struct and typedef</a:t>
+            </a:r>
+          </a:p>
+          <a:p>
+            <a:r>
+              <a:rPr lang="en-SG"/>
+              <a:t>Making your own data structures!</a:t>
+            </a:r>
+          </a:p>
+          <a:p>
+            <a:pPr lvl="1"/>
+            <a:r>
+              <a:rPr lang="en-SG"/>
+              <a:t>Really. No linked list, no dictionaries; you need it you make it</a:t>
+            </a:r>
+          </a:p>
+          <a:p>
+            <a:r>
+              <a:rPr lang="en-SG"/>
+              <a:t>Dynamic memory allocation / malloc + free</a:t>
+            </a:r>
+          </a:p>
+          <a:p>
+            <a:pPr lvl="1"/>
+            <a:r>
+              <a:rPr lang="en-SG"/>
+              <a:t>Valgrind to check for memory leaks</a:t>
+            </a:r>
+          </a:p>
+          <a:p>
+            <a:endParaRPr lang="en-SG"/>
+          </a:p>
+          <a:p>
+            <a:endParaRPr lang="en-SG"/>
+          </a:p>
+          <a:p>
+            <a:pPr lvl="1"/>
+            <a:endParaRPr lang="en-SG"/>
+          </a:p>
+        </p:txBody>
+      </p:sp>
+    </p:spTree>
+    <p:extLst>
+      <p:ext uri="{BB962C8B-B14F-4D97-AF65-F5344CB8AC3E}">
+        <p14:creationId xmlns:p14="http://schemas.microsoft.com/office/powerpoint/2010/main" val="1237171547"/>
+      </p:ext>
+    </p:extLst>
+  </p:cSld>
+  <p:clrMapOvr>
+    <a:masterClrMapping/>
+  </p:clrMapOvr>
+</p:sld>
+</file>
+
 <file path=ppt/slides/slide4.xml><?xml version="1.0" encoding="utf-8"?>
 <p:sld xmlns:a="http://schemas.openxmlformats.org/drawingml/2006/main" xmlns:r="http://schemas.openxmlformats.org/officeDocument/2006/relationships" xmlns:p="http://schemas.openxmlformats.org/presentationml/2006/main">
   <p:cSld>
@@ -33277,6 +33667,120 @@
     <p:extLst>
       <p:ext uri="{BB962C8B-B14F-4D97-AF65-F5344CB8AC3E}">
         <p14:creationId xmlns:p14="http://schemas.microsoft.com/office/powerpoint/2010/main" val="2917220725"/>
+      </p:ext>
+    </p:extLst>
+  </p:cSld>
+  <p:clrMapOvr>
+    <a:masterClrMapping/>
+  </p:clrMapOvr>
+</p:sld>
+</file>
+
+<file path=ppt/slides/slide40.xml><?xml version="1.0" encoding="utf-8"?>
+<p:sld xmlns:a="http://schemas.openxmlformats.org/drawingml/2006/main" xmlns:r="http://schemas.openxmlformats.org/officeDocument/2006/relationships" xmlns:p="http://schemas.openxmlformats.org/presentationml/2006/main">
+  <p:cSld>
+    <p:spTree>
+      <p:nvGrpSpPr>
+        <p:cNvPr id="1" name=""/>
+        <p:cNvGrpSpPr/>
+        <p:nvPr/>
+      </p:nvGrpSpPr>
+      <p:grpSpPr>
+        <a:xfrm>
+          <a:off x="0" y="0"/>
+          <a:ext cx="0" cy="0"/>
+          <a:chOff x="0" y="0"/>
+          <a:chExt cx="0" cy="0"/>
+        </a:xfrm>
+      </p:grpSpPr>
+      <p:sp>
+        <p:nvSpPr>
+          <p:cNvPr id="2" name="Title 1">
+            <a:extLst>
+              <a:ext uri="{FF2B5EF4-FFF2-40B4-BE49-F238E27FC236}">
+                <a16:creationId xmlns:a16="http://schemas.microsoft.com/office/drawing/2014/main" id="{BEF3BB57-40D7-8E15-1C22-16D90BCAFCBB}"/>
+              </a:ext>
+            </a:extLst>
+          </p:cNvPr>
+          <p:cNvSpPr>
+            <a:spLocks noGrp="1"/>
+          </p:cNvSpPr>
+          <p:nvPr>
+            <p:ph type="title"/>
+          </p:nvPr>
+        </p:nvSpPr>
+        <p:spPr/>
+        <p:txBody>
+          <a:bodyPr/>
+          <a:lstStyle/>
+          <a:p>
+            <a:r>
+              <a:rPr lang="en-SG"/>
+              <a:t>Bonus: MySoC stuffs</a:t>
+            </a:r>
+          </a:p>
+        </p:txBody>
+      </p:sp>
+      <p:sp>
+        <p:nvSpPr>
+          <p:cNvPr id="3" name="Content Placeholder 2">
+            <a:extLst>
+              <a:ext uri="{FF2B5EF4-FFF2-40B4-BE49-F238E27FC236}">
+                <a16:creationId xmlns:a16="http://schemas.microsoft.com/office/drawing/2014/main" id="{E2969ECB-13E1-5BC3-C325-623F1FFF4CCE}"/>
+              </a:ext>
+            </a:extLst>
+          </p:cNvPr>
+          <p:cNvSpPr>
+            <a:spLocks noGrp="1"/>
+          </p:cNvSpPr>
+          <p:nvPr>
+            <p:ph idx="1"/>
+          </p:nvPr>
+        </p:nvSpPr>
+        <p:spPr/>
+        <p:txBody>
+          <a:bodyPr/>
+          <a:lstStyle/>
+          <a:p>
+            <a:r>
+              <a:rPr lang="en-SG">
+                <a:hlinkClick r:id="rId2"/>
+              </a:rPr>
+              <a:t>https://mysoc.nus.edu.sg/~newacct</a:t>
+            </a:r>
+            <a:r>
+              <a:rPr lang="en-SG"/>
+              <a:t> to make a new account</a:t>
+            </a:r>
+          </a:p>
+          <a:p>
+            <a:endParaRPr lang="en-SG"/>
+          </a:p>
+          <a:p>
+            <a:r>
+              <a:rPr lang="en-SG"/>
+              <a:t>Access to Compute Cluster, SoC email, UNIX servers</a:t>
+            </a:r>
+          </a:p>
+          <a:p>
+            <a:endParaRPr lang="en-SG"/>
+          </a:p>
+          <a:p>
+            <a:r>
+              <a:rPr lang="en-SG"/>
+              <a:t>Free printing quota per month (50 pages + 50 pages overdraft)</a:t>
+            </a:r>
+          </a:p>
+          <a:p>
+            <a:pPr lvl="1"/>
+            <a:endParaRPr lang="en-SG"/>
+          </a:p>
+        </p:txBody>
+      </p:sp>
+    </p:spTree>
+    <p:extLst>
+      <p:ext uri="{BB962C8B-B14F-4D97-AF65-F5344CB8AC3E}">
+        <p14:creationId xmlns:p14="http://schemas.microsoft.com/office/powerpoint/2010/main" val="578806033"/>
       </p:ext>
     </p:extLst>
   </p:cSld>
@@ -38067,13 +38571,13 @@
   <p:clrMapOvr>
     <a:masterClrMapping/>
   </p:clrMapOvr>
-  <mc:AlternateContent xmlns:mc="http://schemas.openxmlformats.org/markup-compatibility/2006">
-    <mc:Choice xmlns:p14="http://schemas.microsoft.com/office/powerpoint/2010/main" Requires="p14">
+  <mc:AlternateContent xmlns:mc="http://schemas.openxmlformats.org/markup-compatibility/2006" xmlns:p14="http://schemas.microsoft.com/office/powerpoint/2010/main">
+    <mc:Choice Requires="p14">
       <p:transition spd="med" p14:dur="700">
         <p:fade/>
       </p:transition>
     </mc:Choice>
-    <mc:Fallback>
+    <mc:Fallback xmlns="">
       <p:transition spd="med">
         <p:fade/>
       </p:transition>
@@ -42052,13 +42556,13 @@
   <p:clrMapOvr>
     <a:masterClrMapping/>
   </p:clrMapOvr>
-  <mc:AlternateContent xmlns:mc="http://schemas.openxmlformats.org/markup-compatibility/2006">
-    <mc:Choice xmlns:p14="http://schemas.microsoft.com/office/powerpoint/2010/main" Requires="p14">
+  <mc:AlternateContent xmlns:mc="http://schemas.openxmlformats.org/markup-compatibility/2006" xmlns:p14="http://schemas.microsoft.com/office/powerpoint/2010/main">
+    <mc:Choice Requires="p14">
       <p:transition spd="med" p14:dur="700">
         <p:fade/>
       </p:transition>
     </mc:Choice>
-    <mc:Fallback>
+    <mc:Fallback xmlns="">
       <p:transition spd="med">
         <p:fade/>
       </p:transition>
@@ -45451,13 +45955,13 @@
   <p:clrMapOvr>
     <a:masterClrMapping/>
   </p:clrMapOvr>
-  <mc:AlternateContent xmlns:mc="http://schemas.openxmlformats.org/markup-compatibility/2006">
-    <mc:Choice xmlns:p14="http://schemas.microsoft.com/office/powerpoint/2010/main" Requires="p14">
+  <mc:AlternateContent xmlns:mc="http://schemas.openxmlformats.org/markup-compatibility/2006" xmlns:p14="http://schemas.microsoft.com/office/powerpoint/2010/main">
+    <mc:Choice Requires="p14">
       <p:transition spd="med" p14:dur="700">
         <p:fade/>
       </p:transition>
     </mc:Choice>
-    <mc:Fallback>
+    <mc:Fallback xmlns="">
       <p:transition spd="med">
         <p:fade/>
       </p:transition>
